--- a/docs/source/designs/hivenet_architecture_diagram.pptx
+++ b/docs/source/designs/hivenet_architecture_diagram.pptx
@@ -5,7 +5,7 @@
     <p:sldMasterId id="2147483648" r:id="rId1"/>
   </p:sldMasterIdLst>
   <p:notesMasterIdLst>
-    <p:notesMasterId r:id="rId8"/>
+    <p:notesMasterId r:id="rId9"/>
   </p:notesMasterIdLst>
   <p:sldIdLst>
     <p:sldId id="262" r:id="rId2"/>
@@ -13,7 +13,8 @@
     <p:sldId id="257" r:id="rId4"/>
     <p:sldId id="259" r:id="rId5"/>
     <p:sldId id="260" r:id="rId6"/>
-    <p:sldId id="261" r:id="rId7"/>
+    <p:sldId id="263" r:id="rId7"/>
+    <p:sldId id="261" r:id="rId8"/>
   </p:sldIdLst>
   <p:sldSz cx="12192000" cy="6858000"/>
   <p:notesSz cx="6858000" cy="9144000"/>
@@ -202,7 +203,7 @@
           <a:p>
             <a:fld id="{93A590D9-653E-4648-B818-DF60CE17B8B3}" type="datetimeFigureOut">
               <a:rPr lang="zh-CN" altLang="en-US" smtClean="0"/>
-              <a:t>2018/12/28</a:t>
+              <a:t>2019/5/19</a:t>
             </a:fld>
             <a:endParaRPr lang="zh-CN" altLang="en-US"/>
           </a:p>
@@ -1227,7 +1228,7 @@
           <a:p>
             <a:fld id="{D3376C9B-AEBF-4E09-BBAB-F040E8B56F41}" type="slidenum">
               <a:rPr lang="zh-CN" altLang="en-US" smtClean="0"/>
-              <a:t>6</a:t>
+              <a:t>7</a:t>
             </a:fld>
             <a:endParaRPr lang="zh-CN" altLang="en-US"/>
           </a:p>
@@ -1375,7 +1376,7 @@
           <a:p>
             <a:fld id="{F4A15188-1999-4DEF-AB9D-C1F507C03FCE}" type="datetimeFigureOut">
               <a:rPr lang="zh-CN" altLang="en-US" smtClean="0"/>
-              <a:t>2018/12/28</a:t>
+              <a:t>2019/5/19</a:t>
             </a:fld>
             <a:endParaRPr lang="zh-CN" altLang="en-US"/>
           </a:p>
@@ -1543,7 +1544,7 @@
           <a:p>
             <a:fld id="{F4A15188-1999-4DEF-AB9D-C1F507C03FCE}" type="datetimeFigureOut">
               <a:rPr lang="zh-CN" altLang="en-US" smtClean="0"/>
-              <a:t>2018/12/28</a:t>
+              <a:t>2019/5/19</a:t>
             </a:fld>
             <a:endParaRPr lang="zh-CN" altLang="en-US"/>
           </a:p>
@@ -1721,7 +1722,7 @@
           <a:p>
             <a:fld id="{F4A15188-1999-4DEF-AB9D-C1F507C03FCE}" type="datetimeFigureOut">
               <a:rPr lang="zh-CN" altLang="en-US" smtClean="0"/>
-              <a:t>2018/12/28</a:t>
+              <a:t>2019/5/19</a:t>
             </a:fld>
             <a:endParaRPr lang="zh-CN" altLang="en-US"/>
           </a:p>
@@ -1889,7 +1890,7 @@
           <a:p>
             <a:fld id="{F4A15188-1999-4DEF-AB9D-C1F507C03FCE}" type="datetimeFigureOut">
               <a:rPr lang="zh-CN" altLang="en-US" smtClean="0"/>
-              <a:t>2018/12/28</a:t>
+              <a:t>2019/5/19</a:t>
             </a:fld>
             <a:endParaRPr lang="zh-CN" altLang="en-US"/>
           </a:p>
@@ -2134,7 +2135,7 @@
           <a:p>
             <a:fld id="{F4A15188-1999-4DEF-AB9D-C1F507C03FCE}" type="datetimeFigureOut">
               <a:rPr lang="zh-CN" altLang="en-US" smtClean="0"/>
-              <a:t>2018/12/28</a:t>
+              <a:t>2019/5/19</a:t>
             </a:fld>
             <a:endParaRPr lang="zh-CN" altLang="en-US"/>
           </a:p>
@@ -2363,7 +2364,7 @@
           <a:p>
             <a:fld id="{F4A15188-1999-4DEF-AB9D-C1F507C03FCE}" type="datetimeFigureOut">
               <a:rPr lang="zh-CN" altLang="en-US" smtClean="0"/>
-              <a:t>2018/12/28</a:t>
+              <a:t>2019/5/19</a:t>
             </a:fld>
             <a:endParaRPr lang="zh-CN" altLang="en-US"/>
           </a:p>
@@ -2727,7 +2728,7 @@
           <a:p>
             <a:fld id="{F4A15188-1999-4DEF-AB9D-C1F507C03FCE}" type="datetimeFigureOut">
               <a:rPr lang="zh-CN" altLang="en-US" smtClean="0"/>
-              <a:t>2018/12/28</a:t>
+              <a:t>2019/5/19</a:t>
             </a:fld>
             <a:endParaRPr lang="zh-CN" altLang="en-US"/>
           </a:p>
@@ -2844,7 +2845,7 @@
           <a:p>
             <a:fld id="{F4A15188-1999-4DEF-AB9D-C1F507C03FCE}" type="datetimeFigureOut">
               <a:rPr lang="zh-CN" altLang="en-US" smtClean="0"/>
-              <a:t>2018/12/28</a:t>
+              <a:t>2019/5/19</a:t>
             </a:fld>
             <a:endParaRPr lang="zh-CN" altLang="en-US"/>
           </a:p>
@@ -2939,7 +2940,7 @@
           <a:p>
             <a:fld id="{F4A15188-1999-4DEF-AB9D-C1F507C03FCE}" type="datetimeFigureOut">
               <a:rPr lang="zh-CN" altLang="en-US" smtClean="0"/>
-              <a:t>2018/12/28</a:t>
+              <a:t>2019/5/19</a:t>
             </a:fld>
             <a:endParaRPr lang="zh-CN" altLang="en-US"/>
           </a:p>
@@ -3214,7 +3215,7 @@
           <a:p>
             <a:fld id="{F4A15188-1999-4DEF-AB9D-C1F507C03FCE}" type="datetimeFigureOut">
               <a:rPr lang="zh-CN" altLang="en-US" smtClean="0"/>
-              <a:t>2018/12/28</a:t>
+              <a:t>2019/5/19</a:t>
             </a:fld>
             <a:endParaRPr lang="zh-CN" altLang="en-US"/>
           </a:p>
@@ -3466,7 +3467,7 @@
           <a:p>
             <a:fld id="{F4A15188-1999-4DEF-AB9D-C1F507C03FCE}" type="datetimeFigureOut">
               <a:rPr lang="zh-CN" altLang="en-US" smtClean="0"/>
-              <a:t>2018/12/28</a:t>
+              <a:t>2019/5/19</a:t>
             </a:fld>
             <a:endParaRPr lang="zh-CN" altLang="en-US"/>
           </a:p>
@@ -3677,7 +3678,7 @@
           <a:p>
             <a:fld id="{F4A15188-1999-4DEF-AB9D-C1F507C03FCE}" type="datetimeFigureOut">
               <a:rPr lang="zh-CN" altLang="en-US" smtClean="0"/>
-              <a:t>2018/12/28</a:t>
+              <a:t>2019/5/19</a:t>
             </a:fld>
             <a:endParaRPr lang="zh-CN" altLang="en-US"/>
           </a:p>
@@ -4087,7 +4088,7 @@
           <p:cNvPr id="4" name="文本框 3">
             <a:extLst>
               <a:ext uri="{FF2B5EF4-FFF2-40B4-BE49-F238E27FC236}">
-                <a16:creationId xmlns:a16="http://schemas.microsoft.com/office/drawing/2014/main" id="{17BD4CDB-74FF-470C-8541-302DA1C43D45}"/>
+                <a16:creationId xmlns="" xmlns:a16="http://schemas.microsoft.com/office/drawing/2014/main" id="{17BD4CDB-74FF-470C-8541-302DA1C43D45}"/>
               </a:ext>
             </a:extLst>
           </p:cNvPr>
@@ -4563,7 +4564,7 @@
         </p:nvGrpSpPr>
         <p:grpSpPr>
           <a:xfrm>
-            <a:off x="3759230" y="1130543"/>
+            <a:off x="3419263" y="1130543"/>
             <a:ext cx="1392866" cy="3864640"/>
             <a:chOff x="3713519" y="1061309"/>
             <a:chExt cx="1392866" cy="3864640"/>
@@ -4713,8 +4714,8 @@
         </p:nvGrpSpPr>
         <p:grpSpPr>
           <a:xfrm>
-            <a:off x="5916776" y="605789"/>
-            <a:ext cx="1935125" cy="4616477"/>
+            <a:off x="5330627" y="605789"/>
+            <a:ext cx="1684184" cy="4616477"/>
             <a:chOff x="5402201" y="1061309"/>
             <a:chExt cx="1935125" cy="4616477"/>
           </a:xfrm>
@@ -5035,7 +5036,7 @@
         <p:spPr>
           <a:xfrm>
             <a:off x="1909025" y="2092828"/>
-            <a:ext cx="2146315" cy="71492"/>
+            <a:ext cx="1806348" cy="71492"/>
           </a:xfrm>
           <a:prstGeom prst="line">
             <a:avLst/>
@@ -5068,7 +5069,7 @@
         <p:spPr>
           <a:xfrm>
             <a:off x="1909025" y="2092828"/>
-            <a:ext cx="2143143" cy="1231227"/>
+            <a:ext cx="1803176" cy="1231227"/>
           </a:xfrm>
           <a:prstGeom prst="line">
             <a:avLst/>
@@ -5100,8 +5101,8 @@
         </p:nvCxnSpPr>
         <p:spPr>
           <a:xfrm flipV="1">
-            <a:off x="4898413" y="1518373"/>
-            <a:ext cx="1235133" cy="645947"/>
+            <a:off x="4558446" y="1518373"/>
+            <a:ext cx="960841" cy="645947"/>
           </a:xfrm>
           <a:prstGeom prst="line">
             <a:avLst/>
@@ -5133,8 +5134,8 @@
         </p:nvCxnSpPr>
         <p:spPr>
           <a:xfrm>
-            <a:off x="4898413" y="2164320"/>
-            <a:ext cx="1235133" cy="284059"/>
+            <a:off x="4558446" y="2164320"/>
+            <a:ext cx="960841" cy="284059"/>
           </a:xfrm>
           <a:prstGeom prst="line">
             <a:avLst/>
@@ -5166,8 +5167,8 @@
         </p:nvCxnSpPr>
         <p:spPr>
           <a:xfrm>
-            <a:off x="4898413" y="2164320"/>
-            <a:ext cx="1193679" cy="1272973"/>
+            <a:off x="4558446" y="2164320"/>
+            <a:ext cx="924763" cy="1272973"/>
           </a:xfrm>
           <a:prstGeom prst="line">
             <a:avLst/>
@@ -5199,8 +5200,8 @@
         </p:nvCxnSpPr>
         <p:spPr>
           <a:xfrm>
-            <a:off x="4895241" y="3324055"/>
-            <a:ext cx="1196851" cy="113238"/>
+            <a:off x="4555274" y="3324055"/>
+            <a:ext cx="927935" cy="113238"/>
           </a:xfrm>
           <a:prstGeom prst="line">
             <a:avLst/>
@@ -5232,8 +5233,8 @@
         </p:nvCxnSpPr>
         <p:spPr>
           <a:xfrm flipV="1">
-            <a:off x="4895241" y="1518373"/>
-            <a:ext cx="1238305" cy="1805682"/>
+            <a:off x="4555274" y="1518373"/>
+            <a:ext cx="964013" cy="1805682"/>
           </a:xfrm>
           <a:prstGeom prst="line">
             <a:avLst/>
@@ -5265,8 +5266,8 @@
         </p:nvCxnSpPr>
         <p:spPr>
           <a:xfrm flipV="1">
-            <a:off x="4895241" y="2448379"/>
-            <a:ext cx="1238305" cy="875676"/>
+            <a:off x="4555274" y="2448379"/>
+            <a:ext cx="964013" cy="875676"/>
           </a:xfrm>
           <a:prstGeom prst="line">
             <a:avLst/>
@@ -5295,7 +5296,7 @@
         </p:nvSpPr>
         <p:spPr>
           <a:xfrm>
-            <a:off x="3683245" y="5210729"/>
+            <a:off x="3343278" y="5210729"/>
             <a:ext cx="1596541" cy="1363950"/>
           </a:xfrm>
           <a:prstGeom prst="foldedCorner">
@@ -5336,7 +5337,7 @@
         </p:nvSpPr>
         <p:spPr>
           <a:xfrm>
-            <a:off x="6062191" y="5506325"/>
+            <a:off x="7239451" y="5572595"/>
             <a:ext cx="1596541" cy="1102288"/>
           </a:xfrm>
           <a:prstGeom prst="foldedCorner">
@@ -5377,7 +5378,7 @@
         </p:nvSpPr>
         <p:spPr>
           <a:xfrm>
-            <a:off x="9033466" y="5506325"/>
+            <a:off x="9561001" y="5506325"/>
             <a:ext cx="1952498" cy="1102288"/>
           </a:xfrm>
           <a:prstGeom prst="foldedCorner">
@@ -5455,7 +5456,7 @@
         </p:nvGrpSpPr>
         <p:grpSpPr>
           <a:xfrm>
-            <a:off x="8591338" y="532569"/>
+            <a:off x="9118873" y="532569"/>
             <a:ext cx="2934119" cy="4882066"/>
             <a:chOff x="8591338" y="532569"/>
             <a:chExt cx="2934119" cy="4882066"/>
@@ -5794,45 +5795,12 @@
           </p:pic>
         </p:grpSp>
       </p:grpSp>
-      <p:cxnSp>
-        <p:nvCxnSpPr>
-          <p:cNvPr id="98" name="肘形连接符 97"/>
-          <p:cNvCxnSpPr>
-            <a:stCxn id="19" idx="3"/>
-            <a:endCxn id="24" idx="1"/>
-          </p:cNvCxnSpPr>
-          <p:nvPr/>
-        </p:nvCxnSpPr>
-        <p:spPr>
-          <a:xfrm>
-            <a:off x="7851901" y="2914028"/>
-            <a:ext cx="739437" cy="1"/>
-          </a:xfrm>
-          <a:prstGeom prst="bentConnector3">
-            <a:avLst/>
-          </a:prstGeom>
-        </p:spPr>
-        <p:style>
-          <a:lnRef idx="1">
-            <a:schemeClr val="accent1"/>
-          </a:lnRef>
-          <a:fillRef idx="0">
-            <a:schemeClr val="accent1"/>
-          </a:fillRef>
-          <a:effectRef idx="0">
-            <a:schemeClr val="accent1"/>
-          </a:effectRef>
-          <a:fontRef idx="minor">
-            <a:schemeClr val="tx1"/>
-          </a:fontRef>
-        </p:style>
-      </p:cxnSp>
       <p:grpSp>
         <p:nvGrpSpPr>
           <p:cNvPr id="31" name="组合 30">
             <a:extLst>
               <a:ext uri="{FF2B5EF4-FFF2-40B4-BE49-F238E27FC236}">
-                <a16:creationId xmlns:a16="http://schemas.microsoft.com/office/drawing/2014/main" id="{38435D97-06A2-4265-9998-B445072899B8}"/>
+                <a16:creationId xmlns="" xmlns:a16="http://schemas.microsoft.com/office/drawing/2014/main" id="{38435D97-06A2-4265-9998-B445072899B8}"/>
               </a:ext>
             </a:extLst>
           </p:cNvPr>
@@ -5852,7 +5820,7 @@
             <p:cNvPr id="49" name="矩形 48">
               <a:extLst>
                 <a:ext uri="{FF2B5EF4-FFF2-40B4-BE49-F238E27FC236}">
-                  <a16:creationId xmlns:a16="http://schemas.microsoft.com/office/drawing/2014/main" id="{F889762B-695E-4002-A69F-A1CA72DD452B}"/>
+                  <a16:creationId xmlns="" xmlns:a16="http://schemas.microsoft.com/office/drawing/2014/main" id="{F889762B-695E-4002-A69F-A1CA72DD452B}"/>
                 </a:ext>
               </a:extLst>
             </p:cNvPr>
@@ -5899,7 +5867,7 @@
             <p:cNvPr id="7" name="图片 6">
               <a:extLst>
                 <a:ext uri="{FF2B5EF4-FFF2-40B4-BE49-F238E27FC236}">
-                  <a16:creationId xmlns:a16="http://schemas.microsoft.com/office/drawing/2014/main" id="{53A5CB66-75EC-4205-8B06-4594CF4655DF}"/>
+                  <a16:creationId xmlns="" xmlns:a16="http://schemas.microsoft.com/office/drawing/2014/main" id="{53A5CB66-75EC-4205-8B06-4594CF4655DF}"/>
                 </a:ext>
               </a:extLst>
             </p:cNvPr>
@@ -5935,7 +5903,7 @@
             <p:cNvPr id="29" name="图片 28">
               <a:extLst>
                 <a:ext uri="{FF2B5EF4-FFF2-40B4-BE49-F238E27FC236}">
-                  <a16:creationId xmlns:a16="http://schemas.microsoft.com/office/drawing/2014/main" id="{A9A5D8FD-57CB-4B1C-8067-9BA80EBAC574}"/>
+                  <a16:creationId xmlns="" xmlns:a16="http://schemas.microsoft.com/office/drawing/2014/main" id="{A9A5D8FD-57CB-4B1C-8067-9BA80EBAC574}"/>
                 </a:ext>
               </a:extLst>
             </p:cNvPr>
@@ -5972,7 +5940,7 @@
           <p:cNvPr id="37" name="直接连接符 36">
             <a:extLst>
               <a:ext uri="{FF2B5EF4-FFF2-40B4-BE49-F238E27FC236}">
-                <a16:creationId xmlns:a16="http://schemas.microsoft.com/office/drawing/2014/main" id="{19E5D794-B0AE-4A91-86A9-D6F3A19609CB}"/>
+                <a16:creationId xmlns="" xmlns:a16="http://schemas.microsoft.com/office/drawing/2014/main" id="{19E5D794-B0AE-4A91-86A9-D6F3A19609CB}"/>
               </a:ext>
             </a:extLst>
           </p:cNvPr>
@@ -5985,7 +5953,7 @@
         <p:spPr>
           <a:xfrm flipH="1">
             <a:off x="1957053" y="2164320"/>
-            <a:ext cx="2098287" cy="2987701"/>
+            <a:ext cx="1758320" cy="2987701"/>
           </a:xfrm>
           <a:prstGeom prst="line">
             <a:avLst/>
@@ -6011,7 +5979,7 @@
           <p:cNvPr id="41" name="直接连接符 40">
             <a:extLst>
               <a:ext uri="{FF2B5EF4-FFF2-40B4-BE49-F238E27FC236}">
-                <a16:creationId xmlns:a16="http://schemas.microsoft.com/office/drawing/2014/main" id="{93919CBD-8AB8-4C37-B5DE-DA1810100601}"/>
+                <a16:creationId xmlns="" xmlns:a16="http://schemas.microsoft.com/office/drawing/2014/main" id="{93919CBD-8AB8-4C37-B5DE-DA1810100601}"/>
               </a:ext>
             </a:extLst>
           </p:cNvPr>
@@ -6049,7 +6017,7 @@
           <p:cNvPr id="60" name="折角形 86">
             <a:extLst>
               <a:ext uri="{FF2B5EF4-FFF2-40B4-BE49-F238E27FC236}">
-                <a16:creationId xmlns:a16="http://schemas.microsoft.com/office/drawing/2014/main" id="{5F99655A-4872-41EE-B033-A4AE589A9B8F}"/>
+                <a16:creationId xmlns="" xmlns:a16="http://schemas.microsoft.com/office/drawing/2014/main" id="{5F99655A-4872-41EE-B033-A4AE589A9B8F}"/>
               </a:ext>
             </a:extLst>
           </p:cNvPr>
@@ -6091,6 +6059,671 @@
           </a:p>
         </p:txBody>
       </p:sp>
+      <p:pic>
+        <p:nvPicPr>
+          <p:cNvPr id="2" name="图片 1" descr="屏幕剪辑"/>
+          <p:cNvPicPr>
+            <a:picLocks noChangeAspect="1"/>
+          </p:cNvPicPr>
+          <p:nvPr/>
+        </p:nvPicPr>
+        <p:blipFill>
+          <a:blip r:embed="rId16">
+            <a:extLst>
+              <a:ext uri="{28A0092B-C50C-407E-A947-70E740481C1C}">
+                <a14:useLocalDpi xmlns:a14="http://schemas.microsoft.com/office/drawing/2010/main" val="0"/>
+              </a:ext>
+            </a:extLst>
+          </a:blip>
+          <a:stretch>
+            <a:fillRect/>
+          </a:stretch>
+        </p:blipFill>
+        <p:spPr>
+          <a:xfrm>
+            <a:off x="7392543" y="528296"/>
+            <a:ext cx="1262173" cy="451184"/>
+          </a:xfrm>
+          <a:prstGeom prst="rect">
+            <a:avLst/>
+          </a:prstGeom>
+        </p:spPr>
+      </p:pic>
+      <p:grpSp>
+        <p:nvGrpSpPr>
+          <p:cNvPr id="39" name="组合 38"/>
+          <p:cNvGrpSpPr/>
+          <p:nvPr/>
+        </p:nvGrpSpPr>
+        <p:grpSpPr>
+          <a:xfrm>
+            <a:off x="7360000" y="1705140"/>
+            <a:ext cx="1608490" cy="3507069"/>
+            <a:chOff x="13020293" y="1518372"/>
+            <a:chExt cx="1608490" cy="3507069"/>
+          </a:xfrm>
+        </p:grpSpPr>
+        <p:sp>
+          <p:nvSpPr>
+            <p:cNvPr id="57" name="矩形 56"/>
+            <p:cNvSpPr/>
+            <p:nvPr/>
+          </p:nvSpPr>
+          <p:spPr>
+            <a:xfrm>
+              <a:off x="13020293" y="1518372"/>
+              <a:ext cx="1478322" cy="3507069"/>
+            </a:xfrm>
+            <a:prstGeom prst="rect">
+              <a:avLst/>
+            </a:prstGeom>
+          </p:spPr>
+          <p:style>
+            <a:lnRef idx="2">
+              <a:schemeClr val="accent2"/>
+            </a:lnRef>
+            <a:fillRef idx="1">
+              <a:schemeClr val="lt1"/>
+            </a:fillRef>
+            <a:effectRef idx="0">
+              <a:schemeClr val="accent2"/>
+            </a:effectRef>
+            <a:fontRef idx="minor">
+              <a:schemeClr val="dk1"/>
+            </a:fontRef>
+          </p:style>
+          <p:txBody>
+            <a:bodyPr rtlCol="0" anchor="t" anchorCtr="0"/>
+            <a:lstStyle/>
+            <a:p>
+              <a:pPr algn="ctr"/>
+              <a:endParaRPr lang="zh-CN" altLang="en-US" sz="2400" b="1" dirty="0"/>
+            </a:p>
+          </p:txBody>
+        </p:sp>
+        <p:pic>
+          <p:nvPicPr>
+            <p:cNvPr id="61" name="图片 60"/>
+            <p:cNvPicPr>
+              <a:picLocks noChangeAspect="1"/>
+            </p:cNvPicPr>
+            <p:nvPr/>
+          </p:nvPicPr>
+          <p:blipFill>
+            <a:blip r:embed="rId9">
+              <a:extLst>
+                <a:ext uri="{28A0092B-C50C-407E-A947-70E740481C1C}">
+                  <a14:useLocalDpi xmlns:a14="http://schemas.microsoft.com/office/drawing/2010/main" val="0"/>
+                </a:ext>
+              </a:extLst>
+            </a:blip>
+            <a:stretch>
+              <a:fillRect/>
+            </a:stretch>
+          </p:blipFill>
+          <p:spPr>
+            <a:xfrm>
+              <a:off x="13179022" y="4520935"/>
+              <a:ext cx="1449761" cy="471012"/>
+            </a:xfrm>
+            <a:prstGeom prst="rect">
+              <a:avLst/>
+            </a:prstGeom>
+          </p:spPr>
+        </p:pic>
+        <p:sp>
+          <p:nvSpPr>
+            <p:cNvPr id="27" name="矩形 26"/>
+            <p:cNvSpPr/>
+            <p:nvPr/>
+          </p:nvSpPr>
+          <p:spPr>
+            <a:xfrm>
+              <a:off x="13119049" y="1774049"/>
+              <a:ext cx="1280809" cy="526116"/>
+            </a:xfrm>
+            <a:prstGeom prst="rect">
+              <a:avLst/>
+            </a:prstGeom>
+          </p:spPr>
+          <p:style>
+            <a:lnRef idx="2">
+              <a:schemeClr val="accent1">
+                <a:shade val="50000"/>
+              </a:schemeClr>
+            </a:lnRef>
+            <a:fillRef idx="1">
+              <a:schemeClr val="accent1"/>
+            </a:fillRef>
+            <a:effectRef idx="0">
+              <a:schemeClr val="accent1"/>
+            </a:effectRef>
+            <a:fontRef idx="minor">
+              <a:schemeClr val="lt1"/>
+            </a:fontRef>
+          </p:style>
+          <p:txBody>
+            <a:bodyPr rtlCol="0" anchor="ctr"/>
+            <a:lstStyle/>
+            <a:p>
+              <a:pPr algn="ctr"/>
+              <a:r>
+                <a:rPr lang="en-US" altLang="zh-CN" b="1" dirty="0" err="1"/>
+                <a:t>HiveNet</a:t>
+              </a:r>
+              <a:endParaRPr lang="en-US" altLang="zh-CN" b="1" dirty="0"/>
+            </a:p>
+            <a:p>
+              <a:pPr algn="ctr"/>
+              <a:r>
+                <a:rPr lang="en-US" altLang="zh-CN" b="1" dirty="0" smtClean="0"/>
+                <a:t>Server</a:t>
+              </a:r>
+              <a:endParaRPr lang="zh-CN" altLang="en-US" b="1" dirty="0"/>
+            </a:p>
+          </p:txBody>
+        </p:sp>
+        <p:sp>
+          <p:nvSpPr>
+            <p:cNvPr id="66" name="矩形 65"/>
+            <p:cNvSpPr/>
+            <p:nvPr/>
+          </p:nvSpPr>
+          <p:spPr>
+            <a:xfrm>
+              <a:off x="13119048" y="2502067"/>
+              <a:ext cx="1280809" cy="526116"/>
+            </a:xfrm>
+            <a:prstGeom prst="rect">
+              <a:avLst/>
+            </a:prstGeom>
+          </p:spPr>
+          <p:style>
+            <a:lnRef idx="2">
+              <a:schemeClr val="accent1">
+                <a:shade val="50000"/>
+              </a:schemeClr>
+            </a:lnRef>
+            <a:fillRef idx="1">
+              <a:schemeClr val="accent1"/>
+            </a:fillRef>
+            <a:effectRef idx="0">
+              <a:schemeClr val="accent1"/>
+            </a:effectRef>
+            <a:fontRef idx="minor">
+              <a:schemeClr val="lt1"/>
+            </a:fontRef>
+          </p:style>
+          <p:txBody>
+            <a:bodyPr rtlCol="0" anchor="ctr"/>
+            <a:lstStyle/>
+            <a:p>
+              <a:pPr algn="ctr"/>
+              <a:r>
+                <a:rPr lang="en-US" altLang="zh-CN" b="1" dirty="0" err="1"/>
+                <a:t>HiveNet</a:t>
+              </a:r>
+              <a:endParaRPr lang="en-US" altLang="zh-CN" b="1" dirty="0"/>
+            </a:p>
+            <a:p>
+              <a:pPr algn="ctr"/>
+              <a:r>
+                <a:rPr lang="en-US" altLang="zh-CN" b="1" dirty="0" smtClean="0"/>
+                <a:t>Server</a:t>
+              </a:r>
+              <a:endParaRPr lang="zh-CN" altLang="en-US" b="1" dirty="0"/>
+            </a:p>
+          </p:txBody>
+        </p:sp>
+        <p:sp>
+          <p:nvSpPr>
+            <p:cNvPr id="67" name="矩形 66"/>
+            <p:cNvSpPr/>
+            <p:nvPr/>
+          </p:nvSpPr>
+          <p:spPr>
+            <a:xfrm>
+              <a:off x="13119047" y="3217391"/>
+              <a:ext cx="1280809" cy="526116"/>
+            </a:xfrm>
+            <a:prstGeom prst="rect">
+              <a:avLst/>
+            </a:prstGeom>
+          </p:spPr>
+          <p:style>
+            <a:lnRef idx="2">
+              <a:schemeClr val="accent1">
+                <a:shade val="50000"/>
+              </a:schemeClr>
+            </a:lnRef>
+            <a:fillRef idx="1">
+              <a:schemeClr val="accent1"/>
+            </a:fillRef>
+            <a:effectRef idx="0">
+              <a:schemeClr val="accent1"/>
+            </a:effectRef>
+            <a:fontRef idx="minor">
+              <a:schemeClr val="lt1"/>
+            </a:fontRef>
+          </p:style>
+          <p:txBody>
+            <a:bodyPr rtlCol="0" anchor="ctr"/>
+            <a:lstStyle/>
+            <a:p>
+              <a:pPr algn="ctr"/>
+              <a:r>
+                <a:rPr lang="en-US" altLang="zh-CN" b="1" dirty="0" err="1"/>
+                <a:t>HiveNet</a:t>
+              </a:r>
+              <a:endParaRPr lang="en-US" altLang="zh-CN" b="1" dirty="0"/>
+            </a:p>
+            <a:p>
+              <a:pPr algn="ctr"/>
+              <a:r>
+                <a:rPr lang="en-US" altLang="zh-CN" b="1" dirty="0" smtClean="0"/>
+                <a:t>Server</a:t>
+              </a:r>
+              <a:endParaRPr lang="zh-CN" altLang="en-US" b="1" dirty="0"/>
+            </a:p>
+          </p:txBody>
+        </p:sp>
+        <p:sp>
+          <p:nvSpPr>
+            <p:cNvPr id="68" name="文本框 67"/>
+            <p:cNvSpPr txBox="1"/>
+            <p:nvPr/>
+          </p:nvSpPr>
+          <p:spPr>
+            <a:xfrm>
+              <a:off x="13703003" y="3960969"/>
+              <a:ext cx="401798" cy="646331"/>
+            </a:xfrm>
+            <a:prstGeom prst="rect">
+              <a:avLst/>
+            </a:prstGeom>
+            <a:noFill/>
+          </p:spPr>
+          <p:txBody>
+            <a:bodyPr vert="eaVert" wrap="square" rtlCol="0" anchor="ctr" anchorCtr="0">
+              <a:spAutoFit/>
+            </a:bodyPr>
+            <a:lstStyle/>
+            <a:p>
+              <a:r>
+                <a:rPr lang="en-US" altLang="zh-CN" b="1" dirty="0"/>
+                <a:t>……</a:t>
+              </a:r>
+              <a:endParaRPr lang="zh-CN" altLang="en-US" b="1" dirty="0"/>
+            </a:p>
+          </p:txBody>
+        </p:sp>
+      </p:grpSp>
+      <p:pic>
+        <p:nvPicPr>
+          <p:cNvPr id="42" name="图片 41"/>
+          <p:cNvPicPr>
+            <a:picLocks noChangeAspect="1"/>
+          </p:cNvPicPr>
+          <p:nvPr/>
+        </p:nvPicPr>
+        <p:blipFill>
+          <a:blip r:embed="rId17" cstate="print">
+            <a:extLst>
+              <a:ext uri="{28A0092B-C50C-407E-A947-70E740481C1C}">
+                <a14:useLocalDpi xmlns:a14="http://schemas.microsoft.com/office/drawing/2010/main" val="0"/>
+              </a:ext>
+            </a:extLst>
+          </a:blip>
+          <a:stretch>
+            <a:fillRect/>
+          </a:stretch>
+        </p:blipFill>
+        <p:spPr>
+          <a:xfrm>
+            <a:off x="7533309" y="1111218"/>
+            <a:ext cx="965540" cy="421937"/>
+          </a:xfrm>
+          <a:prstGeom prst="rect">
+            <a:avLst/>
+          </a:prstGeom>
+          <a:solidFill>
+            <a:schemeClr val="accent5">
+              <a:lumMod val="40000"/>
+              <a:lumOff val="60000"/>
+            </a:schemeClr>
+          </a:solidFill>
+        </p:spPr>
+      </p:pic>
+      <p:cxnSp>
+        <p:nvCxnSpPr>
+          <p:cNvPr id="45" name="直接连接符 44"/>
+          <p:cNvCxnSpPr>
+            <a:stCxn id="11" idx="3"/>
+            <a:endCxn id="27" idx="1"/>
+          </p:cNvCxnSpPr>
+          <p:nvPr/>
+        </p:nvCxnSpPr>
+        <p:spPr>
+          <a:xfrm>
+            <a:off x="6865323" y="1518373"/>
+            <a:ext cx="593433" cy="705502"/>
+          </a:xfrm>
+          <a:prstGeom prst="line">
+            <a:avLst/>
+          </a:prstGeom>
+        </p:spPr>
+        <p:style>
+          <a:lnRef idx="1">
+            <a:schemeClr val="accent1"/>
+          </a:lnRef>
+          <a:fillRef idx="0">
+            <a:schemeClr val="accent1"/>
+          </a:fillRef>
+          <a:effectRef idx="0">
+            <a:schemeClr val="accent1"/>
+          </a:effectRef>
+          <a:fontRef idx="minor">
+            <a:schemeClr val="tx1"/>
+          </a:fontRef>
+        </p:style>
+      </p:cxnSp>
+      <p:cxnSp>
+        <p:nvCxnSpPr>
+          <p:cNvPr id="48" name="直接连接符 47"/>
+          <p:cNvCxnSpPr>
+            <a:stCxn id="11" idx="3"/>
+            <a:endCxn id="66" idx="1"/>
+          </p:cNvCxnSpPr>
+          <p:nvPr/>
+        </p:nvCxnSpPr>
+        <p:spPr>
+          <a:xfrm>
+            <a:off x="6865323" y="1518373"/>
+            <a:ext cx="593432" cy="1433520"/>
+          </a:xfrm>
+          <a:prstGeom prst="line">
+            <a:avLst/>
+          </a:prstGeom>
+        </p:spPr>
+        <p:style>
+          <a:lnRef idx="1">
+            <a:schemeClr val="accent1"/>
+          </a:lnRef>
+          <a:fillRef idx="0">
+            <a:schemeClr val="accent1"/>
+          </a:fillRef>
+          <a:effectRef idx="0">
+            <a:schemeClr val="accent1"/>
+          </a:effectRef>
+          <a:fontRef idx="minor">
+            <a:schemeClr val="tx1"/>
+          </a:fontRef>
+        </p:style>
+      </p:cxnSp>
+      <p:cxnSp>
+        <p:nvCxnSpPr>
+          <p:cNvPr id="52" name="直接连接符 51"/>
+          <p:cNvCxnSpPr>
+            <a:stCxn id="20" idx="3"/>
+            <a:endCxn id="66" idx="1"/>
+          </p:cNvCxnSpPr>
+          <p:nvPr/>
+        </p:nvCxnSpPr>
+        <p:spPr>
+          <a:xfrm>
+            <a:off x="6865323" y="2448379"/>
+            <a:ext cx="593432" cy="503514"/>
+          </a:xfrm>
+          <a:prstGeom prst="line">
+            <a:avLst/>
+          </a:prstGeom>
+        </p:spPr>
+        <p:style>
+          <a:lnRef idx="1">
+            <a:schemeClr val="accent1"/>
+          </a:lnRef>
+          <a:fillRef idx="0">
+            <a:schemeClr val="accent1"/>
+          </a:fillRef>
+          <a:effectRef idx="0">
+            <a:schemeClr val="accent1"/>
+          </a:effectRef>
+          <a:fontRef idx="minor">
+            <a:schemeClr val="tx1"/>
+          </a:fontRef>
+        </p:style>
+      </p:cxnSp>
+      <p:cxnSp>
+        <p:nvCxnSpPr>
+          <p:cNvPr id="55" name="直接连接符 54"/>
+          <p:cNvCxnSpPr>
+            <a:stCxn id="11" idx="3"/>
+            <a:endCxn id="67" idx="1"/>
+          </p:cNvCxnSpPr>
+          <p:nvPr/>
+        </p:nvCxnSpPr>
+        <p:spPr>
+          <a:xfrm>
+            <a:off x="6865323" y="1518373"/>
+            <a:ext cx="593431" cy="2148844"/>
+          </a:xfrm>
+          <a:prstGeom prst="line">
+            <a:avLst/>
+          </a:prstGeom>
+        </p:spPr>
+        <p:style>
+          <a:lnRef idx="1">
+            <a:schemeClr val="accent1"/>
+          </a:lnRef>
+          <a:fillRef idx="0">
+            <a:schemeClr val="accent1"/>
+          </a:fillRef>
+          <a:effectRef idx="0">
+            <a:schemeClr val="accent1"/>
+          </a:effectRef>
+          <a:fontRef idx="minor">
+            <a:schemeClr val="tx1"/>
+          </a:fontRef>
+        </p:style>
+      </p:cxnSp>
+      <p:cxnSp>
+        <p:nvCxnSpPr>
+          <p:cNvPr id="70" name="直接连接符 69"/>
+          <p:cNvCxnSpPr>
+            <a:stCxn id="20" idx="3"/>
+            <a:endCxn id="27" idx="1"/>
+          </p:cNvCxnSpPr>
+          <p:nvPr/>
+        </p:nvCxnSpPr>
+        <p:spPr>
+          <a:xfrm flipV="1">
+            <a:off x="6865323" y="2223875"/>
+            <a:ext cx="593433" cy="224504"/>
+          </a:xfrm>
+          <a:prstGeom prst="line">
+            <a:avLst/>
+          </a:prstGeom>
+        </p:spPr>
+        <p:style>
+          <a:lnRef idx="1">
+            <a:schemeClr val="accent1"/>
+          </a:lnRef>
+          <a:fillRef idx="0">
+            <a:schemeClr val="accent1"/>
+          </a:fillRef>
+          <a:effectRef idx="0">
+            <a:schemeClr val="accent1"/>
+          </a:effectRef>
+          <a:fontRef idx="minor">
+            <a:schemeClr val="tx1"/>
+          </a:fontRef>
+        </p:style>
+      </p:cxnSp>
+      <p:cxnSp>
+        <p:nvCxnSpPr>
+          <p:cNvPr id="72" name="直接连接符 71"/>
+          <p:cNvCxnSpPr>
+            <a:stCxn id="20" idx="3"/>
+            <a:endCxn id="67" idx="1"/>
+          </p:cNvCxnSpPr>
+          <p:nvPr/>
+        </p:nvCxnSpPr>
+        <p:spPr>
+          <a:xfrm>
+            <a:off x="6865323" y="2448379"/>
+            <a:ext cx="593431" cy="1218838"/>
+          </a:xfrm>
+          <a:prstGeom prst="line">
+            <a:avLst/>
+          </a:prstGeom>
+        </p:spPr>
+        <p:style>
+          <a:lnRef idx="1">
+            <a:schemeClr val="accent1"/>
+          </a:lnRef>
+          <a:fillRef idx="0">
+            <a:schemeClr val="accent1"/>
+          </a:fillRef>
+          <a:effectRef idx="0">
+            <a:schemeClr val="accent1"/>
+          </a:effectRef>
+          <a:fontRef idx="minor">
+            <a:schemeClr val="tx1"/>
+          </a:fontRef>
+        </p:style>
+      </p:cxnSp>
+      <p:cxnSp>
+        <p:nvCxnSpPr>
+          <p:cNvPr id="74" name="直接连接符 73"/>
+          <p:cNvCxnSpPr>
+            <a:stCxn id="21" idx="3"/>
+            <a:endCxn id="27" idx="1"/>
+          </p:cNvCxnSpPr>
+          <p:nvPr/>
+        </p:nvCxnSpPr>
+        <p:spPr>
+          <a:xfrm flipV="1">
+            <a:off x="6829245" y="2223875"/>
+            <a:ext cx="629511" cy="1213418"/>
+          </a:xfrm>
+          <a:prstGeom prst="line">
+            <a:avLst/>
+          </a:prstGeom>
+        </p:spPr>
+        <p:style>
+          <a:lnRef idx="1">
+            <a:schemeClr val="accent1"/>
+          </a:lnRef>
+          <a:fillRef idx="0">
+            <a:schemeClr val="accent1"/>
+          </a:fillRef>
+          <a:effectRef idx="0">
+            <a:schemeClr val="accent1"/>
+          </a:effectRef>
+          <a:fontRef idx="minor">
+            <a:schemeClr val="tx1"/>
+          </a:fontRef>
+        </p:style>
+      </p:cxnSp>
+      <p:cxnSp>
+        <p:nvCxnSpPr>
+          <p:cNvPr id="76" name="直接连接符 75"/>
+          <p:cNvCxnSpPr>
+            <a:stCxn id="21" idx="3"/>
+            <a:endCxn id="66" idx="1"/>
+          </p:cNvCxnSpPr>
+          <p:nvPr/>
+        </p:nvCxnSpPr>
+        <p:spPr>
+          <a:xfrm flipV="1">
+            <a:off x="6829245" y="2951893"/>
+            <a:ext cx="629510" cy="485400"/>
+          </a:xfrm>
+          <a:prstGeom prst="line">
+            <a:avLst/>
+          </a:prstGeom>
+        </p:spPr>
+        <p:style>
+          <a:lnRef idx="1">
+            <a:schemeClr val="accent1"/>
+          </a:lnRef>
+          <a:fillRef idx="0">
+            <a:schemeClr val="accent1"/>
+          </a:fillRef>
+          <a:effectRef idx="0">
+            <a:schemeClr val="accent1"/>
+          </a:effectRef>
+          <a:fontRef idx="minor">
+            <a:schemeClr val="tx1"/>
+          </a:fontRef>
+        </p:style>
+      </p:cxnSp>
+      <p:cxnSp>
+        <p:nvCxnSpPr>
+          <p:cNvPr id="78" name="直接连接符 77"/>
+          <p:cNvCxnSpPr>
+            <a:stCxn id="21" idx="3"/>
+            <a:endCxn id="67" idx="1"/>
+          </p:cNvCxnSpPr>
+          <p:nvPr/>
+        </p:nvCxnSpPr>
+        <p:spPr>
+          <a:xfrm>
+            <a:off x="6829245" y="3437293"/>
+            <a:ext cx="629509" cy="229924"/>
+          </a:xfrm>
+          <a:prstGeom prst="line">
+            <a:avLst/>
+          </a:prstGeom>
+        </p:spPr>
+        <p:style>
+          <a:lnRef idx="1">
+            <a:schemeClr val="accent1"/>
+          </a:lnRef>
+          <a:fillRef idx="0">
+            <a:schemeClr val="accent1"/>
+          </a:fillRef>
+          <a:effectRef idx="0">
+            <a:schemeClr val="accent1"/>
+          </a:effectRef>
+          <a:fontRef idx="minor">
+            <a:schemeClr val="tx1"/>
+          </a:fontRef>
+        </p:style>
+      </p:cxnSp>
+      <p:cxnSp>
+        <p:nvCxnSpPr>
+          <p:cNvPr id="85" name="直接连接符 84"/>
+          <p:cNvCxnSpPr>
+            <a:stCxn id="57" idx="3"/>
+            <a:endCxn id="24" idx="1"/>
+          </p:cNvCxnSpPr>
+          <p:nvPr/>
+        </p:nvCxnSpPr>
+        <p:spPr>
+          <a:xfrm flipV="1">
+            <a:off x="8838322" y="2914029"/>
+            <a:ext cx="280551" cy="544646"/>
+          </a:xfrm>
+          <a:prstGeom prst="line">
+            <a:avLst/>
+          </a:prstGeom>
+        </p:spPr>
+        <p:style>
+          <a:lnRef idx="1">
+            <a:schemeClr val="accent1"/>
+          </a:lnRef>
+          <a:fillRef idx="0">
+            <a:schemeClr val="accent1"/>
+          </a:fillRef>
+          <a:effectRef idx="0">
+            <a:schemeClr val="accent1"/>
+          </a:effectRef>
+          <a:fontRef idx="minor">
+            <a:schemeClr val="tx1"/>
+          </a:fontRef>
+        </p:style>
+      </p:cxnSp>
     </p:spTree>
     <p:extLst>
       <p:ext uri="{BB962C8B-B14F-4D97-AF65-F5344CB8AC3E}">
@@ -7353,7 +7986,7 @@
           <p:cNvPr id="4" name="文本框 3">
             <a:extLst>
               <a:ext uri="{FF2B5EF4-FFF2-40B4-BE49-F238E27FC236}">
-                <a16:creationId xmlns:a16="http://schemas.microsoft.com/office/drawing/2014/main" id="{7BB1041A-BFB3-4C74-8A07-CAB99E32667C}"/>
+                <a16:creationId xmlns="" xmlns:a16="http://schemas.microsoft.com/office/drawing/2014/main" id="{7BB1041A-BFB3-4C74-8A07-CAB99E32667C}"/>
               </a:ext>
             </a:extLst>
           </p:cNvPr>
@@ -7388,7 +8021,7 @@
           <p:cNvPr id="5" name="矩形: 圆角 4">
             <a:extLst>
               <a:ext uri="{FF2B5EF4-FFF2-40B4-BE49-F238E27FC236}">
-                <a16:creationId xmlns:a16="http://schemas.microsoft.com/office/drawing/2014/main" id="{646A55E0-3D53-42FD-AB17-5537C5545044}"/>
+                <a16:creationId xmlns="" xmlns:a16="http://schemas.microsoft.com/office/drawing/2014/main" id="{646A55E0-3D53-42FD-AB17-5537C5545044}"/>
               </a:ext>
             </a:extLst>
           </p:cNvPr>
@@ -7440,7 +8073,7 @@
           <p:cNvPr id="6" name="矩形: 圆角 5">
             <a:extLst>
               <a:ext uri="{FF2B5EF4-FFF2-40B4-BE49-F238E27FC236}">
-                <a16:creationId xmlns:a16="http://schemas.microsoft.com/office/drawing/2014/main" id="{62F8AC1B-7E36-49B4-B429-122796D972CD}"/>
+                <a16:creationId xmlns="" xmlns:a16="http://schemas.microsoft.com/office/drawing/2014/main" id="{62F8AC1B-7E36-49B4-B429-122796D972CD}"/>
               </a:ext>
             </a:extLst>
           </p:cNvPr>
@@ -7488,7 +8121,7 @@
           <p:cNvPr id="7" name="矩形: 圆角 6">
             <a:extLst>
               <a:ext uri="{FF2B5EF4-FFF2-40B4-BE49-F238E27FC236}">
-                <a16:creationId xmlns:a16="http://schemas.microsoft.com/office/drawing/2014/main" id="{667D1812-DFD0-48AD-B464-0246EBB7FAF5}"/>
+                <a16:creationId xmlns="" xmlns:a16="http://schemas.microsoft.com/office/drawing/2014/main" id="{667D1812-DFD0-48AD-B464-0246EBB7FAF5}"/>
               </a:ext>
             </a:extLst>
           </p:cNvPr>
@@ -7536,7 +8169,7 @@
           <p:cNvPr id="9" name="矩形: 圆角 8">
             <a:extLst>
               <a:ext uri="{FF2B5EF4-FFF2-40B4-BE49-F238E27FC236}">
-                <a16:creationId xmlns:a16="http://schemas.microsoft.com/office/drawing/2014/main" id="{B2C72D9A-645F-4E3C-A70C-7BCF96BCC2C4}"/>
+                <a16:creationId xmlns="" xmlns:a16="http://schemas.microsoft.com/office/drawing/2014/main" id="{B2C72D9A-645F-4E3C-A70C-7BCF96BCC2C4}"/>
               </a:ext>
             </a:extLst>
           </p:cNvPr>
@@ -7584,7 +8217,7 @@
           <p:cNvPr id="13" name="矩形: 圆角 12">
             <a:extLst>
               <a:ext uri="{FF2B5EF4-FFF2-40B4-BE49-F238E27FC236}">
-                <a16:creationId xmlns:a16="http://schemas.microsoft.com/office/drawing/2014/main" id="{A281DA39-C866-4343-BC4C-8DCE6D66F1E0}"/>
+                <a16:creationId xmlns="" xmlns:a16="http://schemas.microsoft.com/office/drawing/2014/main" id="{A281DA39-C866-4343-BC4C-8DCE6D66F1E0}"/>
               </a:ext>
             </a:extLst>
           </p:cNvPr>
@@ -7632,7 +8265,7 @@
           <p:cNvPr id="15" name="矩形: 圆角 14">
             <a:extLst>
               <a:ext uri="{FF2B5EF4-FFF2-40B4-BE49-F238E27FC236}">
-                <a16:creationId xmlns:a16="http://schemas.microsoft.com/office/drawing/2014/main" id="{772F4B31-51D6-4B66-A6C3-4FF0EDB58B7F}"/>
+                <a16:creationId xmlns="" xmlns:a16="http://schemas.microsoft.com/office/drawing/2014/main" id="{772F4B31-51D6-4B66-A6C3-4FF0EDB58B7F}"/>
               </a:ext>
             </a:extLst>
           </p:cNvPr>
@@ -7680,7 +8313,7 @@
           <p:cNvPr id="17" name="连接符: 肘形 16">
             <a:extLst>
               <a:ext uri="{FF2B5EF4-FFF2-40B4-BE49-F238E27FC236}">
-                <a16:creationId xmlns:a16="http://schemas.microsoft.com/office/drawing/2014/main" id="{73965207-7B36-41D2-A7D2-388344344FD7}"/>
+                <a16:creationId xmlns="" xmlns:a16="http://schemas.microsoft.com/office/drawing/2014/main" id="{73965207-7B36-41D2-A7D2-388344344FD7}"/>
               </a:ext>
             </a:extLst>
           </p:cNvPr>
@@ -7722,7 +8355,7 @@
           <p:cNvPr id="21" name="连接符: 肘形 20">
             <a:extLst>
               <a:ext uri="{FF2B5EF4-FFF2-40B4-BE49-F238E27FC236}">
-                <a16:creationId xmlns:a16="http://schemas.microsoft.com/office/drawing/2014/main" id="{6E32065C-71E0-4253-AACE-3DAB66B132EF}"/>
+                <a16:creationId xmlns="" xmlns:a16="http://schemas.microsoft.com/office/drawing/2014/main" id="{6E32065C-71E0-4253-AACE-3DAB66B132EF}"/>
               </a:ext>
             </a:extLst>
           </p:cNvPr>
@@ -7764,7 +8397,7 @@
           <p:cNvPr id="23" name="连接符: 肘形 22">
             <a:extLst>
               <a:ext uri="{FF2B5EF4-FFF2-40B4-BE49-F238E27FC236}">
-                <a16:creationId xmlns:a16="http://schemas.microsoft.com/office/drawing/2014/main" id="{89626209-71FF-485C-966E-4390F7555EC0}"/>
+                <a16:creationId xmlns="" xmlns:a16="http://schemas.microsoft.com/office/drawing/2014/main" id="{89626209-71FF-485C-966E-4390F7555EC0}"/>
               </a:ext>
             </a:extLst>
           </p:cNvPr>
@@ -7806,7 +8439,7 @@
           <p:cNvPr id="27" name="连接符: 肘形 26">
             <a:extLst>
               <a:ext uri="{FF2B5EF4-FFF2-40B4-BE49-F238E27FC236}">
-                <a16:creationId xmlns:a16="http://schemas.microsoft.com/office/drawing/2014/main" id="{C76205EE-10F5-42E0-9F48-D94F543878CC}"/>
+                <a16:creationId xmlns="" xmlns:a16="http://schemas.microsoft.com/office/drawing/2014/main" id="{C76205EE-10F5-42E0-9F48-D94F543878CC}"/>
               </a:ext>
             </a:extLst>
           </p:cNvPr>
@@ -7848,7 +8481,7 @@
           <p:cNvPr id="35" name="圆柱形 34">
             <a:extLst>
               <a:ext uri="{FF2B5EF4-FFF2-40B4-BE49-F238E27FC236}">
-                <a16:creationId xmlns:a16="http://schemas.microsoft.com/office/drawing/2014/main" id="{15000DC9-8727-42F4-BCB0-870DBB661D4C}"/>
+                <a16:creationId xmlns="" xmlns:a16="http://schemas.microsoft.com/office/drawing/2014/main" id="{15000DC9-8727-42F4-BCB0-870DBB661D4C}"/>
               </a:ext>
             </a:extLst>
           </p:cNvPr>
@@ -7896,7 +8529,7 @@
           <p:cNvPr id="36" name="圆柱形 35">
             <a:extLst>
               <a:ext uri="{FF2B5EF4-FFF2-40B4-BE49-F238E27FC236}">
-                <a16:creationId xmlns:a16="http://schemas.microsoft.com/office/drawing/2014/main" id="{F6B15F09-FCEC-4208-97DE-F13D717F8BE1}"/>
+                <a16:creationId xmlns="" xmlns:a16="http://schemas.microsoft.com/office/drawing/2014/main" id="{F6B15F09-FCEC-4208-97DE-F13D717F8BE1}"/>
               </a:ext>
             </a:extLst>
           </p:cNvPr>
@@ -7944,7 +8577,7 @@
           <p:cNvPr id="38" name="连接符: 肘形 37">
             <a:extLst>
               <a:ext uri="{FF2B5EF4-FFF2-40B4-BE49-F238E27FC236}">
-                <a16:creationId xmlns:a16="http://schemas.microsoft.com/office/drawing/2014/main" id="{940AFA6E-BA8B-4530-B3F2-F1174F316A3B}"/>
+                <a16:creationId xmlns="" xmlns:a16="http://schemas.microsoft.com/office/drawing/2014/main" id="{940AFA6E-BA8B-4530-B3F2-F1174F316A3B}"/>
               </a:ext>
             </a:extLst>
           </p:cNvPr>
@@ -7985,7 +8618,7 @@
           <p:cNvPr id="40" name="连接符: 肘形 39">
             <a:extLst>
               <a:ext uri="{FF2B5EF4-FFF2-40B4-BE49-F238E27FC236}">
-                <a16:creationId xmlns:a16="http://schemas.microsoft.com/office/drawing/2014/main" id="{AA7556D7-4539-410F-A2E4-3125338EAD07}"/>
+                <a16:creationId xmlns="" xmlns:a16="http://schemas.microsoft.com/office/drawing/2014/main" id="{AA7556D7-4539-410F-A2E4-3125338EAD07}"/>
               </a:ext>
             </a:extLst>
           </p:cNvPr>
@@ -8027,7 +8660,7 @@
           <p:cNvPr id="43" name="连接符: 肘形 42">
             <a:extLst>
               <a:ext uri="{FF2B5EF4-FFF2-40B4-BE49-F238E27FC236}">
-                <a16:creationId xmlns:a16="http://schemas.microsoft.com/office/drawing/2014/main" id="{4E1309CC-984C-4A3B-BBC6-078FE8208EA1}"/>
+                <a16:creationId xmlns="" xmlns:a16="http://schemas.microsoft.com/office/drawing/2014/main" id="{4E1309CC-984C-4A3B-BBC6-078FE8208EA1}"/>
               </a:ext>
             </a:extLst>
           </p:cNvPr>
@@ -8066,7 +8699,7 @@
           <p:cNvPr id="45" name="连接符: 肘形 44">
             <a:extLst>
               <a:ext uri="{FF2B5EF4-FFF2-40B4-BE49-F238E27FC236}">
-                <a16:creationId xmlns:a16="http://schemas.microsoft.com/office/drawing/2014/main" id="{16CE5AEB-2901-436F-9EBC-9B21A351AE91}"/>
+                <a16:creationId xmlns="" xmlns:a16="http://schemas.microsoft.com/office/drawing/2014/main" id="{16CE5AEB-2901-436F-9EBC-9B21A351AE91}"/>
               </a:ext>
             </a:extLst>
           </p:cNvPr>
@@ -8105,7 +8738,7 @@
           <p:cNvPr id="47" name="连接符: 肘形 46">
             <a:extLst>
               <a:ext uri="{FF2B5EF4-FFF2-40B4-BE49-F238E27FC236}">
-                <a16:creationId xmlns:a16="http://schemas.microsoft.com/office/drawing/2014/main" id="{07ADAA4B-8059-4EF7-A5DB-196C4C268B0B}"/>
+                <a16:creationId xmlns="" xmlns:a16="http://schemas.microsoft.com/office/drawing/2014/main" id="{07ADAA4B-8059-4EF7-A5DB-196C4C268B0B}"/>
               </a:ext>
             </a:extLst>
           </p:cNvPr>
@@ -8144,7 +8777,7 @@
           <p:cNvPr id="52" name="组合 51">
             <a:extLst>
               <a:ext uri="{FF2B5EF4-FFF2-40B4-BE49-F238E27FC236}">
-                <a16:creationId xmlns:a16="http://schemas.microsoft.com/office/drawing/2014/main" id="{14B33A96-BABC-4AAE-AFD8-0AD716693620}"/>
+                <a16:creationId xmlns="" xmlns:a16="http://schemas.microsoft.com/office/drawing/2014/main" id="{14B33A96-BABC-4AAE-AFD8-0AD716693620}"/>
               </a:ext>
             </a:extLst>
           </p:cNvPr>
@@ -8164,7 +8797,7 @@
             <p:cNvPr id="48" name="矩形: 剪去对角 47">
               <a:extLst>
                 <a:ext uri="{FF2B5EF4-FFF2-40B4-BE49-F238E27FC236}">
-                  <a16:creationId xmlns:a16="http://schemas.microsoft.com/office/drawing/2014/main" id="{B36065D1-2C20-4620-A105-1B88FA7DF510}"/>
+                  <a16:creationId xmlns="" xmlns:a16="http://schemas.microsoft.com/office/drawing/2014/main" id="{B36065D1-2C20-4620-A105-1B88FA7DF510}"/>
                 </a:ext>
               </a:extLst>
             </p:cNvPr>
@@ -8212,7 +8845,7 @@
             <p:cNvPr id="50" name="矩形: 剪去对角 49">
               <a:extLst>
                 <a:ext uri="{FF2B5EF4-FFF2-40B4-BE49-F238E27FC236}">
-                  <a16:creationId xmlns:a16="http://schemas.microsoft.com/office/drawing/2014/main" id="{1F3F51E2-A1BB-4A71-9E64-D9049DD832B7}"/>
+                  <a16:creationId xmlns="" xmlns:a16="http://schemas.microsoft.com/office/drawing/2014/main" id="{1F3F51E2-A1BB-4A71-9E64-D9049DD832B7}"/>
                 </a:ext>
               </a:extLst>
             </p:cNvPr>
@@ -8260,7 +8893,7 @@
             <p:cNvPr id="51" name="矩形: 剪去对角 50">
               <a:extLst>
                 <a:ext uri="{FF2B5EF4-FFF2-40B4-BE49-F238E27FC236}">
-                  <a16:creationId xmlns:a16="http://schemas.microsoft.com/office/drawing/2014/main" id="{08D39A43-0FBE-4349-9F3C-234CAE376CC3}"/>
+                  <a16:creationId xmlns="" xmlns:a16="http://schemas.microsoft.com/office/drawing/2014/main" id="{08D39A43-0FBE-4349-9F3C-234CAE376CC3}"/>
                 </a:ext>
               </a:extLst>
             </p:cNvPr>
@@ -8309,7 +8942,7 @@
           <p:cNvPr id="59" name="组合 58">
             <a:extLst>
               <a:ext uri="{FF2B5EF4-FFF2-40B4-BE49-F238E27FC236}">
-                <a16:creationId xmlns:a16="http://schemas.microsoft.com/office/drawing/2014/main" id="{ACAFC34C-9107-4335-BDAC-891D8CE77D65}"/>
+                <a16:creationId xmlns="" xmlns:a16="http://schemas.microsoft.com/office/drawing/2014/main" id="{ACAFC34C-9107-4335-BDAC-891D8CE77D65}"/>
               </a:ext>
             </a:extLst>
           </p:cNvPr>
@@ -8329,7 +8962,7 @@
             <p:cNvPr id="56" name="矩形: 圆角 55">
               <a:extLst>
                 <a:ext uri="{FF2B5EF4-FFF2-40B4-BE49-F238E27FC236}">
-                  <a16:creationId xmlns:a16="http://schemas.microsoft.com/office/drawing/2014/main" id="{BEEBE4D0-D0B7-4C06-8AF3-FE9EBC77D509}"/>
+                  <a16:creationId xmlns="" xmlns:a16="http://schemas.microsoft.com/office/drawing/2014/main" id="{BEEBE4D0-D0B7-4C06-8AF3-FE9EBC77D509}"/>
                 </a:ext>
               </a:extLst>
             </p:cNvPr>
@@ -8377,7 +9010,7 @@
             <p:cNvPr id="57" name="矩形: 圆角 56">
               <a:extLst>
                 <a:ext uri="{FF2B5EF4-FFF2-40B4-BE49-F238E27FC236}">
-                  <a16:creationId xmlns:a16="http://schemas.microsoft.com/office/drawing/2014/main" id="{F7F47F05-6430-4463-8A46-2DD60946A4BD}"/>
+                  <a16:creationId xmlns="" xmlns:a16="http://schemas.microsoft.com/office/drawing/2014/main" id="{F7F47F05-6430-4463-8A46-2DD60946A4BD}"/>
                 </a:ext>
               </a:extLst>
             </p:cNvPr>
@@ -8425,7 +9058,7 @@
             <p:cNvPr id="58" name="矩形: 圆角 57">
               <a:extLst>
                 <a:ext uri="{FF2B5EF4-FFF2-40B4-BE49-F238E27FC236}">
-                  <a16:creationId xmlns:a16="http://schemas.microsoft.com/office/drawing/2014/main" id="{42201D71-F891-4774-96AD-C5FB0A89FFA5}"/>
+                  <a16:creationId xmlns="" xmlns:a16="http://schemas.microsoft.com/office/drawing/2014/main" id="{42201D71-F891-4774-96AD-C5FB0A89FFA5}"/>
                 </a:ext>
               </a:extLst>
             </p:cNvPr>
@@ -8474,7 +9107,7 @@
           <p:cNvPr id="61" name="连接符: 肘形 60">
             <a:extLst>
               <a:ext uri="{FF2B5EF4-FFF2-40B4-BE49-F238E27FC236}">
-                <a16:creationId xmlns:a16="http://schemas.microsoft.com/office/drawing/2014/main" id="{3C8D0B28-CB2A-44D1-9EF1-2AEEABAC50A5}"/>
+                <a16:creationId xmlns="" xmlns:a16="http://schemas.microsoft.com/office/drawing/2014/main" id="{3C8D0B28-CB2A-44D1-9EF1-2AEEABAC50A5}"/>
               </a:ext>
             </a:extLst>
           </p:cNvPr>
@@ -8514,7 +9147,7 @@
           <p:cNvPr id="63" name="连接符: 肘形 62">
             <a:extLst>
               <a:ext uri="{FF2B5EF4-FFF2-40B4-BE49-F238E27FC236}">
-                <a16:creationId xmlns:a16="http://schemas.microsoft.com/office/drawing/2014/main" id="{5962E9FB-8A50-46F0-B948-2CD6CD92B1C6}"/>
+                <a16:creationId xmlns="" xmlns:a16="http://schemas.microsoft.com/office/drawing/2014/main" id="{5962E9FB-8A50-46F0-B948-2CD6CD92B1C6}"/>
               </a:ext>
             </a:extLst>
           </p:cNvPr>
@@ -8554,7 +9187,7 @@
           <p:cNvPr id="65" name="连接符: 肘形 64">
             <a:extLst>
               <a:ext uri="{FF2B5EF4-FFF2-40B4-BE49-F238E27FC236}">
-                <a16:creationId xmlns:a16="http://schemas.microsoft.com/office/drawing/2014/main" id="{9B7F8482-F0C4-486A-8580-05BC950C18CD}"/>
+                <a16:creationId xmlns="" xmlns:a16="http://schemas.microsoft.com/office/drawing/2014/main" id="{9B7F8482-F0C4-486A-8580-05BC950C18CD}"/>
               </a:ext>
             </a:extLst>
           </p:cNvPr>
@@ -8594,7 +9227,7 @@
           <p:cNvPr id="77" name="组合 76">
             <a:extLst>
               <a:ext uri="{FF2B5EF4-FFF2-40B4-BE49-F238E27FC236}">
-                <a16:creationId xmlns:a16="http://schemas.microsoft.com/office/drawing/2014/main" id="{98B50A10-08FC-41D9-A5A8-B92F15095127}"/>
+                <a16:creationId xmlns="" xmlns:a16="http://schemas.microsoft.com/office/drawing/2014/main" id="{98B50A10-08FC-41D9-A5A8-B92F15095127}"/>
               </a:ext>
             </a:extLst>
           </p:cNvPr>
@@ -8614,7 +9247,7 @@
             <p:cNvPr id="78" name="矩形: 圆角 77">
               <a:extLst>
                 <a:ext uri="{FF2B5EF4-FFF2-40B4-BE49-F238E27FC236}">
-                  <a16:creationId xmlns:a16="http://schemas.microsoft.com/office/drawing/2014/main" id="{D9951E9A-4A41-4313-94C6-579194984839}"/>
+                  <a16:creationId xmlns="" xmlns:a16="http://schemas.microsoft.com/office/drawing/2014/main" id="{D9951E9A-4A41-4313-94C6-579194984839}"/>
                 </a:ext>
               </a:extLst>
             </p:cNvPr>
@@ -8665,7 +9298,7 @@
             <p:cNvPr id="79" name="矩形: 圆角 78">
               <a:extLst>
                 <a:ext uri="{FF2B5EF4-FFF2-40B4-BE49-F238E27FC236}">
-                  <a16:creationId xmlns:a16="http://schemas.microsoft.com/office/drawing/2014/main" id="{08DF6307-2234-4F88-86EC-F68D3087D6E0}"/>
+                  <a16:creationId xmlns="" xmlns:a16="http://schemas.microsoft.com/office/drawing/2014/main" id="{08DF6307-2234-4F88-86EC-F68D3087D6E0}"/>
                 </a:ext>
               </a:extLst>
             </p:cNvPr>
@@ -8716,7 +9349,7 @@
             <p:cNvPr id="80" name="矩形: 圆角 79">
               <a:extLst>
                 <a:ext uri="{FF2B5EF4-FFF2-40B4-BE49-F238E27FC236}">
-                  <a16:creationId xmlns:a16="http://schemas.microsoft.com/office/drawing/2014/main" id="{C7EF1AB3-0647-4E33-8DA5-CA5F191D043F}"/>
+                  <a16:creationId xmlns="" xmlns:a16="http://schemas.microsoft.com/office/drawing/2014/main" id="{C7EF1AB3-0647-4E33-8DA5-CA5F191D043F}"/>
                 </a:ext>
               </a:extLst>
             </p:cNvPr>
@@ -8768,7 +9401,7 @@
           <p:cNvPr id="84" name="组合 83">
             <a:extLst>
               <a:ext uri="{FF2B5EF4-FFF2-40B4-BE49-F238E27FC236}">
-                <a16:creationId xmlns:a16="http://schemas.microsoft.com/office/drawing/2014/main" id="{C47D41D9-460C-4E42-AC6B-8F1F50CAFA7B}"/>
+                <a16:creationId xmlns="" xmlns:a16="http://schemas.microsoft.com/office/drawing/2014/main" id="{C47D41D9-460C-4E42-AC6B-8F1F50CAFA7B}"/>
               </a:ext>
             </a:extLst>
           </p:cNvPr>
@@ -8788,7 +9421,7 @@
             <p:cNvPr id="81" name="矩形: 折角 80">
               <a:extLst>
                 <a:ext uri="{FF2B5EF4-FFF2-40B4-BE49-F238E27FC236}">
-                  <a16:creationId xmlns:a16="http://schemas.microsoft.com/office/drawing/2014/main" id="{30A70F41-45AD-4138-92CF-7C89040A41AC}"/>
+                  <a16:creationId xmlns="" xmlns:a16="http://schemas.microsoft.com/office/drawing/2014/main" id="{30A70F41-45AD-4138-92CF-7C89040A41AC}"/>
                 </a:ext>
               </a:extLst>
             </p:cNvPr>
@@ -8836,7 +9469,7 @@
             <p:cNvPr id="82" name="矩形: 折角 81">
               <a:extLst>
                 <a:ext uri="{FF2B5EF4-FFF2-40B4-BE49-F238E27FC236}">
-                  <a16:creationId xmlns:a16="http://schemas.microsoft.com/office/drawing/2014/main" id="{9E76BEFF-FF70-4DB9-88A6-BAF70FE892E1}"/>
+                  <a16:creationId xmlns="" xmlns:a16="http://schemas.microsoft.com/office/drawing/2014/main" id="{9E76BEFF-FF70-4DB9-88A6-BAF70FE892E1}"/>
                 </a:ext>
               </a:extLst>
             </p:cNvPr>
@@ -8884,7 +9517,7 @@
             <p:cNvPr id="83" name="矩形: 折角 82">
               <a:extLst>
                 <a:ext uri="{FF2B5EF4-FFF2-40B4-BE49-F238E27FC236}">
-                  <a16:creationId xmlns:a16="http://schemas.microsoft.com/office/drawing/2014/main" id="{423F49DB-E7CB-41D4-9D3A-9BEE032806C3}"/>
+                  <a16:creationId xmlns="" xmlns:a16="http://schemas.microsoft.com/office/drawing/2014/main" id="{423F49DB-E7CB-41D4-9D3A-9BEE032806C3}"/>
                 </a:ext>
               </a:extLst>
             </p:cNvPr>
@@ -8933,7 +9566,7 @@
           <p:cNvPr id="86" name="连接符: 肘形 85">
             <a:extLst>
               <a:ext uri="{FF2B5EF4-FFF2-40B4-BE49-F238E27FC236}">
-                <a16:creationId xmlns:a16="http://schemas.microsoft.com/office/drawing/2014/main" id="{BBE48162-9578-4414-93C7-102154A05C1D}"/>
+                <a16:creationId xmlns="" xmlns:a16="http://schemas.microsoft.com/office/drawing/2014/main" id="{BBE48162-9578-4414-93C7-102154A05C1D}"/>
               </a:ext>
             </a:extLst>
           </p:cNvPr>
@@ -8972,7 +9605,7 @@
           <p:cNvPr id="88" name="连接符: 肘形 87">
             <a:extLst>
               <a:ext uri="{FF2B5EF4-FFF2-40B4-BE49-F238E27FC236}">
-                <a16:creationId xmlns:a16="http://schemas.microsoft.com/office/drawing/2014/main" id="{3321CB07-C88D-4947-A6D4-F8D1DBA2D2A2}"/>
+                <a16:creationId xmlns="" xmlns:a16="http://schemas.microsoft.com/office/drawing/2014/main" id="{3321CB07-C88D-4947-A6D4-F8D1DBA2D2A2}"/>
               </a:ext>
             </a:extLst>
           </p:cNvPr>
@@ -9011,7 +9644,7 @@
           <p:cNvPr id="89" name="组合 88">
             <a:extLst>
               <a:ext uri="{FF2B5EF4-FFF2-40B4-BE49-F238E27FC236}">
-                <a16:creationId xmlns:a16="http://schemas.microsoft.com/office/drawing/2014/main" id="{432654C5-6C41-41A2-B71B-42BA6D312E81}"/>
+                <a16:creationId xmlns="" xmlns:a16="http://schemas.microsoft.com/office/drawing/2014/main" id="{432654C5-6C41-41A2-B71B-42BA6D312E81}"/>
               </a:ext>
             </a:extLst>
           </p:cNvPr>
@@ -9031,7 +9664,7 @@
             <p:cNvPr id="90" name="矩形: 折角 89">
               <a:extLst>
                 <a:ext uri="{FF2B5EF4-FFF2-40B4-BE49-F238E27FC236}">
-                  <a16:creationId xmlns:a16="http://schemas.microsoft.com/office/drawing/2014/main" id="{38943D0B-B6A1-4025-A65E-E5F2C7D809D1}"/>
+                  <a16:creationId xmlns="" xmlns:a16="http://schemas.microsoft.com/office/drawing/2014/main" id="{38943D0B-B6A1-4025-A65E-E5F2C7D809D1}"/>
                 </a:ext>
               </a:extLst>
             </p:cNvPr>
@@ -9079,7 +9712,7 @@
             <p:cNvPr id="91" name="矩形: 折角 90">
               <a:extLst>
                 <a:ext uri="{FF2B5EF4-FFF2-40B4-BE49-F238E27FC236}">
-                  <a16:creationId xmlns:a16="http://schemas.microsoft.com/office/drawing/2014/main" id="{78221066-DAD4-450D-8269-2EA674BEF245}"/>
+                  <a16:creationId xmlns="" xmlns:a16="http://schemas.microsoft.com/office/drawing/2014/main" id="{78221066-DAD4-450D-8269-2EA674BEF245}"/>
                 </a:ext>
               </a:extLst>
             </p:cNvPr>
@@ -9127,7 +9760,7 @@
             <p:cNvPr id="92" name="矩形: 折角 91">
               <a:extLst>
                 <a:ext uri="{FF2B5EF4-FFF2-40B4-BE49-F238E27FC236}">
-                  <a16:creationId xmlns:a16="http://schemas.microsoft.com/office/drawing/2014/main" id="{EC1ED558-127C-4C4A-A563-5E0715A58B55}"/>
+                  <a16:creationId xmlns="" xmlns:a16="http://schemas.microsoft.com/office/drawing/2014/main" id="{EC1ED558-127C-4C4A-A563-5E0715A58B55}"/>
                 </a:ext>
               </a:extLst>
             </p:cNvPr>
@@ -9176,7 +9809,7 @@
           <p:cNvPr id="94" name="连接符: 肘形 93">
             <a:extLst>
               <a:ext uri="{FF2B5EF4-FFF2-40B4-BE49-F238E27FC236}">
-                <a16:creationId xmlns:a16="http://schemas.microsoft.com/office/drawing/2014/main" id="{25BA11FC-B5BF-445B-8B12-12E8DADA0E7E}"/>
+                <a16:creationId xmlns="" xmlns:a16="http://schemas.microsoft.com/office/drawing/2014/main" id="{25BA11FC-B5BF-445B-8B12-12E8DADA0E7E}"/>
               </a:ext>
             </a:extLst>
           </p:cNvPr>
@@ -9216,7 +9849,7 @@
           <p:cNvPr id="95" name="组合 94">
             <a:extLst>
               <a:ext uri="{FF2B5EF4-FFF2-40B4-BE49-F238E27FC236}">
-                <a16:creationId xmlns:a16="http://schemas.microsoft.com/office/drawing/2014/main" id="{C2E76378-CDF1-48F4-983C-DC0AE52029D1}"/>
+                <a16:creationId xmlns="" xmlns:a16="http://schemas.microsoft.com/office/drawing/2014/main" id="{C2E76378-CDF1-48F4-983C-DC0AE52029D1}"/>
               </a:ext>
             </a:extLst>
           </p:cNvPr>
@@ -9236,7 +9869,7 @@
             <p:cNvPr id="96" name="矩形: 折角 95">
               <a:extLst>
                 <a:ext uri="{FF2B5EF4-FFF2-40B4-BE49-F238E27FC236}">
-                  <a16:creationId xmlns:a16="http://schemas.microsoft.com/office/drawing/2014/main" id="{E4705266-A2E2-431F-950B-9CF8C5EEF086}"/>
+                  <a16:creationId xmlns="" xmlns:a16="http://schemas.microsoft.com/office/drawing/2014/main" id="{E4705266-A2E2-431F-950B-9CF8C5EEF086}"/>
                 </a:ext>
               </a:extLst>
             </p:cNvPr>
@@ -9284,7 +9917,7 @@
             <p:cNvPr id="97" name="矩形: 折角 96">
               <a:extLst>
                 <a:ext uri="{FF2B5EF4-FFF2-40B4-BE49-F238E27FC236}">
-                  <a16:creationId xmlns:a16="http://schemas.microsoft.com/office/drawing/2014/main" id="{B8C476A8-12DB-46E8-BE76-7F8741620D28}"/>
+                  <a16:creationId xmlns="" xmlns:a16="http://schemas.microsoft.com/office/drawing/2014/main" id="{B8C476A8-12DB-46E8-BE76-7F8741620D28}"/>
                 </a:ext>
               </a:extLst>
             </p:cNvPr>
@@ -9332,7 +9965,7 @@
             <p:cNvPr id="98" name="矩形: 折角 97">
               <a:extLst>
                 <a:ext uri="{FF2B5EF4-FFF2-40B4-BE49-F238E27FC236}">
-                  <a16:creationId xmlns:a16="http://schemas.microsoft.com/office/drawing/2014/main" id="{71D437C7-EEFC-4E86-915D-BF4D66FC5F2C}"/>
+                  <a16:creationId xmlns="" xmlns:a16="http://schemas.microsoft.com/office/drawing/2014/main" id="{71D437C7-EEFC-4E86-915D-BF4D66FC5F2C}"/>
                 </a:ext>
               </a:extLst>
             </p:cNvPr>
@@ -9381,7 +10014,7 @@
           <p:cNvPr id="100" name="直接连接符 99">
             <a:extLst>
               <a:ext uri="{FF2B5EF4-FFF2-40B4-BE49-F238E27FC236}">
-                <a16:creationId xmlns:a16="http://schemas.microsoft.com/office/drawing/2014/main" id="{463A12FC-AA0E-4DC1-92E1-8B7E18A4ED08}"/>
+                <a16:creationId xmlns="" xmlns:a16="http://schemas.microsoft.com/office/drawing/2014/main" id="{463A12FC-AA0E-4DC1-92E1-8B7E18A4ED08}"/>
               </a:ext>
             </a:extLst>
           </p:cNvPr>
@@ -9420,7 +10053,7 @@
           <p:cNvPr id="101" name="组合 100">
             <a:extLst>
               <a:ext uri="{FF2B5EF4-FFF2-40B4-BE49-F238E27FC236}">
-                <a16:creationId xmlns:a16="http://schemas.microsoft.com/office/drawing/2014/main" id="{8781BF1E-5A5C-48B5-AAB8-67D4BA565FD5}"/>
+                <a16:creationId xmlns="" xmlns:a16="http://schemas.microsoft.com/office/drawing/2014/main" id="{8781BF1E-5A5C-48B5-AAB8-67D4BA565FD5}"/>
               </a:ext>
             </a:extLst>
           </p:cNvPr>
@@ -9440,7 +10073,7 @@
             <p:cNvPr id="102" name="矩形: 剪去对角 101">
               <a:extLst>
                 <a:ext uri="{FF2B5EF4-FFF2-40B4-BE49-F238E27FC236}">
-                  <a16:creationId xmlns:a16="http://schemas.microsoft.com/office/drawing/2014/main" id="{E40A35C3-BFC4-403A-B504-1A5D6D2F26DF}"/>
+                  <a16:creationId xmlns="" xmlns:a16="http://schemas.microsoft.com/office/drawing/2014/main" id="{E40A35C3-BFC4-403A-B504-1A5D6D2F26DF}"/>
                 </a:ext>
               </a:extLst>
             </p:cNvPr>
@@ -9488,7 +10121,7 @@
             <p:cNvPr id="103" name="矩形: 剪去对角 102">
               <a:extLst>
                 <a:ext uri="{FF2B5EF4-FFF2-40B4-BE49-F238E27FC236}">
-                  <a16:creationId xmlns:a16="http://schemas.microsoft.com/office/drawing/2014/main" id="{A5374738-9DB0-4954-B47C-B27E8D9B6F7E}"/>
+                  <a16:creationId xmlns="" xmlns:a16="http://schemas.microsoft.com/office/drawing/2014/main" id="{A5374738-9DB0-4954-B47C-B27E8D9B6F7E}"/>
                 </a:ext>
               </a:extLst>
             </p:cNvPr>
@@ -9536,7 +10169,7 @@
             <p:cNvPr id="104" name="矩形: 剪去对角 103">
               <a:extLst>
                 <a:ext uri="{FF2B5EF4-FFF2-40B4-BE49-F238E27FC236}">
-                  <a16:creationId xmlns:a16="http://schemas.microsoft.com/office/drawing/2014/main" id="{E4E98A2C-1949-4077-8BCA-9BB03C5C01AD}"/>
+                  <a16:creationId xmlns="" xmlns:a16="http://schemas.microsoft.com/office/drawing/2014/main" id="{E4E98A2C-1949-4077-8BCA-9BB03C5C01AD}"/>
                 </a:ext>
               </a:extLst>
             </p:cNvPr>
@@ -9585,7 +10218,7 @@
           <p:cNvPr id="105" name="组合 104">
             <a:extLst>
               <a:ext uri="{FF2B5EF4-FFF2-40B4-BE49-F238E27FC236}">
-                <a16:creationId xmlns:a16="http://schemas.microsoft.com/office/drawing/2014/main" id="{BE9D1512-B3CC-4955-9EA1-3BF4177A3D57}"/>
+                <a16:creationId xmlns="" xmlns:a16="http://schemas.microsoft.com/office/drawing/2014/main" id="{BE9D1512-B3CC-4955-9EA1-3BF4177A3D57}"/>
               </a:ext>
             </a:extLst>
           </p:cNvPr>
@@ -9605,7 +10238,7 @@
             <p:cNvPr id="106" name="矩形: 圆角 105">
               <a:extLst>
                 <a:ext uri="{FF2B5EF4-FFF2-40B4-BE49-F238E27FC236}">
-                  <a16:creationId xmlns:a16="http://schemas.microsoft.com/office/drawing/2014/main" id="{BA2D6D7D-3517-4045-80A4-861C5BE82946}"/>
+                  <a16:creationId xmlns="" xmlns:a16="http://schemas.microsoft.com/office/drawing/2014/main" id="{BA2D6D7D-3517-4045-80A4-861C5BE82946}"/>
                 </a:ext>
               </a:extLst>
             </p:cNvPr>
@@ -9653,7 +10286,7 @@
             <p:cNvPr id="107" name="矩形: 圆角 106">
               <a:extLst>
                 <a:ext uri="{FF2B5EF4-FFF2-40B4-BE49-F238E27FC236}">
-                  <a16:creationId xmlns:a16="http://schemas.microsoft.com/office/drawing/2014/main" id="{D60F1AC3-A070-447F-9985-005EE49B73CB}"/>
+                  <a16:creationId xmlns="" xmlns:a16="http://schemas.microsoft.com/office/drawing/2014/main" id="{D60F1AC3-A070-447F-9985-005EE49B73CB}"/>
                 </a:ext>
               </a:extLst>
             </p:cNvPr>
@@ -9701,7 +10334,7 @@
             <p:cNvPr id="108" name="矩形: 圆角 107">
               <a:extLst>
                 <a:ext uri="{FF2B5EF4-FFF2-40B4-BE49-F238E27FC236}">
-                  <a16:creationId xmlns:a16="http://schemas.microsoft.com/office/drawing/2014/main" id="{8C0C1702-916E-41F2-AB5A-93B6783DA057}"/>
+                  <a16:creationId xmlns="" xmlns:a16="http://schemas.microsoft.com/office/drawing/2014/main" id="{8C0C1702-916E-41F2-AB5A-93B6783DA057}"/>
                 </a:ext>
               </a:extLst>
             </p:cNvPr>
@@ -9750,7 +10383,7 @@
           <p:cNvPr id="110" name="连接符: 肘形 109">
             <a:extLst>
               <a:ext uri="{FF2B5EF4-FFF2-40B4-BE49-F238E27FC236}">
-                <a16:creationId xmlns:a16="http://schemas.microsoft.com/office/drawing/2014/main" id="{42252F2C-62E9-4896-884B-D4D6D72601FB}"/>
+                <a16:creationId xmlns="" xmlns:a16="http://schemas.microsoft.com/office/drawing/2014/main" id="{42252F2C-62E9-4896-884B-D4D6D72601FB}"/>
               </a:ext>
             </a:extLst>
           </p:cNvPr>
@@ -9789,7 +10422,7 @@
           <p:cNvPr id="112" name="连接符: 肘形 111">
             <a:extLst>
               <a:ext uri="{FF2B5EF4-FFF2-40B4-BE49-F238E27FC236}">
-                <a16:creationId xmlns:a16="http://schemas.microsoft.com/office/drawing/2014/main" id="{4823D744-6C5D-4048-B43C-361A6B8AA42F}"/>
+                <a16:creationId xmlns="" xmlns:a16="http://schemas.microsoft.com/office/drawing/2014/main" id="{4823D744-6C5D-4048-B43C-361A6B8AA42F}"/>
               </a:ext>
             </a:extLst>
           </p:cNvPr>
@@ -9828,7 +10461,7 @@
           <p:cNvPr id="113" name="矩形: 圆角 112">
             <a:extLst>
               <a:ext uri="{FF2B5EF4-FFF2-40B4-BE49-F238E27FC236}">
-                <a16:creationId xmlns:a16="http://schemas.microsoft.com/office/drawing/2014/main" id="{5EE7A7EB-9B0E-4E3B-B02C-C5656A46D0FB}"/>
+                <a16:creationId xmlns="" xmlns:a16="http://schemas.microsoft.com/office/drawing/2014/main" id="{5EE7A7EB-9B0E-4E3B-B02C-C5656A46D0FB}"/>
               </a:ext>
             </a:extLst>
           </p:cNvPr>
@@ -9876,7 +10509,7 @@
           <p:cNvPr id="116" name="组合 115">
             <a:extLst>
               <a:ext uri="{FF2B5EF4-FFF2-40B4-BE49-F238E27FC236}">
-                <a16:creationId xmlns:a16="http://schemas.microsoft.com/office/drawing/2014/main" id="{E921F14E-29CC-4D7B-9635-E87994236DB8}"/>
+                <a16:creationId xmlns="" xmlns:a16="http://schemas.microsoft.com/office/drawing/2014/main" id="{E921F14E-29CC-4D7B-9635-E87994236DB8}"/>
               </a:ext>
             </a:extLst>
           </p:cNvPr>
@@ -9896,7 +10529,7 @@
             <p:cNvPr id="117" name="矩形: 圆角 116">
               <a:extLst>
                 <a:ext uri="{FF2B5EF4-FFF2-40B4-BE49-F238E27FC236}">
-                  <a16:creationId xmlns:a16="http://schemas.microsoft.com/office/drawing/2014/main" id="{C98E59A1-B4FE-4C91-870C-A9868BBE0419}"/>
+                  <a16:creationId xmlns="" xmlns:a16="http://schemas.microsoft.com/office/drawing/2014/main" id="{C98E59A1-B4FE-4C91-870C-A9868BBE0419}"/>
                 </a:ext>
               </a:extLst>
             </p:cNvPr>
@@ -9945,7 +10578,7 @@
             <p:cNvPr id="118" name="矩形: 圆角 117">
               <a:extLst>
                 <a:ext uri="{FF2B5EF4-FFF2-40B4-BE49-F238E27FC236}">
-                  <a16:creationId xmlns:a16="http://schemas.microsoft.com/office/drawing/2014/main" id="{A3673D40-43B4-4247-B940-FB4E475A7320}"/>
+                  <a16:creationId xmlns="" xmlns:a16="http://schemas.microsoft.com/office/drawing/2014/main" id="{A3673D40-43B4-4247-B940-FB4E475A7320}"/>
                 </a:ext>
               </a:extLst>
             </p:cNvPr>
@@ -9994,7 +10627,7 @@
             <p:cNvPr id="119" name="矩形: 圆角 118">
               <a:extLst>
                 <a:ext uri="{FF2B5EF4-FFF2-40B4-BE49-F238E27FC236}">
-                  <a16:creationId xmlns:a16="http://schemas.microsoft.com/office/drawing/2014/main" id="{9990AF1E-812B-4EFA-A278-33F670948C9F}"/>
+                  <a16:creationId xmlns="" xmlns:a16="http://schemas.microsoft.com/office/drawing/2014/main" id="{9990AF1E-812B-4EFA-A278-33F670948C9F}"/>
                 </a:ext>
               </a:extLst>
             </p:cNvPr>
@@ -10044,7 +10677,7 @@
           <p:cNvPr id="123" name="矩形: 圆角 122">
             <a:extLst>
               <a:ext uri="{FF2B5EF4-FFF2-40B4-BE49-F238E27FC236}">
-                <a16:creationId xmlns:a16="http://schemas.microsoft.com/office/drawing/2014/main" id="{CD1BCBB0-996B-4811-8847-9F27C57E1939}"/>
+                <a16:creationId xmlns="" xmlns:a16="http://schemas.microsoft.com/office/drawing/2014/main" id="{CD1BCBB0-996B-4811-8847-9F27C57E1939}"/>
               </a:ext>
             </a:extLst>
           </p:cNvPr>
@@ -10092,7 +10725,7 @@
           <p:cNvPr id="132" name="椭圆 131">
             <a:extLst>
               <a:ext uri="{FF2B5EF4-FFF2-40B4-BE49-F238E27FC236}">
-                <a16:creationId xmlns:a16="http://schemas.microsoft.com/office/drawing/2014/main" id="{3E77840C-E8A8-4A45-AEB9-94357A711E15}"/>
+                <a16:creationId xmlns="" xmlns:a16="http://schemas.microsoft.com/office/drawing/2014/main" id="{3E77840C-E8A8-4A45-AEB9-94357A711E15}"/>
               </a:ext>
             </a:extLst>
           </p:cNvPr>
@@ -10140,7 +10773,7 @@
           <p:cNvPr id="133" name="椭圆 132">
             <a:extLst>
               <a:ext uri="{FF2B5EF4-FFF2-40B4-BE49-F238E27FC236}">
-                <a16:creationId xmlns:a16="http://schemas.microsoft.com/office/drawing/2014/main" id="{08B3BA0B-CC85-4160-9FF3-F992DC64EA9F}"/>
+                <a16:creationId xmlns="" xmlns:a16="http://schemas.microsoft.com/office/drawing/2014/main" id="{08B3BA0B-CC85-4160-9FF3-F992DC64EA9F}"/>
               </a:ext>
             </a:extLst>
           </p:cNvPr>
@@ -10188,7 +10821,7 @@
           <p:cNvPr id="135" name="椭圆 134">
             <a:extLst>
               <a:ext uri="{FF2B5EF4-FFF2-40B4-BE49-F238E27FC236}">
-                <a16:creationId xmlns:a16="http://schemas.microsoft.com/office/drawing/2014/main" id="{A4C59B29-0E02-4DE9-A4D7-453B0CBFE885}"/>
+                <a16:creationId xmlns="" xmlns:a16="http://schemas.microsoft.com/office/drawing/2014/main" id="{A4C59B29-0E02-4DE9-A4D7-453B0CBFE885}"/>
               </a:ext>
             </a:extLst>
           </p:cNvPr>
@@ -10236,7 +10869,7 @@
           <p:cNvPr id="136" name="椭圆 135">
             <a:extLst>
               <a:ext uri="{FF2B5EF4-FFF2-40B4-BE49-F238E27FC236}">
-                <a16:creationId xmlns:a16="http://schemas.microsoft.com/office/drawing/2014/main" id="{E19E3C2E-D18E-4E96-B10B-92A952C49CA7}"/>
+                <a16:creationId xmlns="" xmlns:a16="http://schemas.microsoft.com/office/drawing/2014/main" id="{E19E3C2E-D18E-4E96-B10B-92A952C49CA7}"/>
               </a:ext>
             </a:extLst>
           </p:cNvPr>
@@ -10284,7 +10917,7 @@
           <p:cNvPr id="141" name="直接连接符 140">
             <a:extLst>
               <a:ext uri="{FF2B5EF4-FFF2-40B4-BE49-F238E27FC236}">
-                <a16:creationId xmlns:a16="http://schemas.microsoft.com/office/drawing/2014/main" id="{A273CC9D-E495-4797-BB88-EE63BCB8BECD}"/>
+                <a16:creationId xmlns="" xmlns:a16="http://schemas.microsoft.com/office/drawing/2014/main" id="{A273CC9D-E495-4797-BB88-EE63BCB8BECD}"/>
               </a:ext>
             </a:extLst>
           </p:cNvPr>
@@ -10323,7 +10956,7 @@
           <p:cNvPr id="143" name="直接连接符 142">
             <a:extLst>
               <a:ext uri="{FF2B5EF4-FFF2-40B4-BE49-F238E27FC236}">
-                <a16:creationId xmlns:a16="http://schemas.microsoft.com/office/drawing/2014/main" id="{4D50FE2A-4C95-409B-AF5E-6BA56D190EB6}"/>
+                <a16:creationId xmlns="" xmlns:a16="http://schemas.microsoft.com/office/drawing/2014/main" id="{4D50FE2A-4C95-409B-AF5E-6BA56D190EB6}"/>
               </a:ext>
             </a:extLst>
           </p:cNvPr>
@@ -10362,7 +10995,7 @@
           <p:cNvPr id="145" name="直接连接符 144">
             <a:extLst>
               <a:ext uri="{FF2B5EF4-FFF2-40B4-BE49-F238E27FC236}">
-                <a16:creationId xmlns:a16="http://schemas.microsoft.com/office/drawing/2014/main" id="{5728CC9B-4117-4A91-8471-274AD20A6539}"/>
+                <a16:creationId xmlns="" xmlns:a16="http://schemas.microsoft.com/office/drawing/2014/main" id="{5728CC9B-4117-4A91-8471-274AD20A6539}"/>
               </a:ext>
             </a:extLst>
           </p:cNvPr>
@@ -10401,7 +11034,7 @@
           <p:cNvPr id="147" name="直接连接符 146">
             <a:extLst>
               <a:ext uri="{FF2B5EF4-FFF2-40B4-BE49-F238E27FC236}">
-                <a16:creationId xmlns:a16="http://schemas.microsoft.com/office/drawing/2014/main" id="{936169B9-9514-4D17-998E-DF5A78760B0A}"/>
+                <a16:creationId xmlns="" xmlns:a16="http://schemas.microsoft.com/office/drawing/2014/main" id="{936169B9-9514-4D17-998E-DF5A78760B0A}"/>
               </a:ext>
             </a:extLst>
           </p:cNvPr>
@@ -10470,7 +11103,7 @@
           <p:cNvPr id="4" name="文本框 3">
             <a:extLst>
               <a:ext uri="{FF2B5EF4-FFF2-40B4-BE49-F238E27FC236}">
-                <a16:creationId xmlns:a16="http://schemas.microsoft.com/office/drawing/2014/main" id="{97B80B01-FCB7-4BA9-A472-CBD65D481F2A}"/>
+                <a16:creationId xmlns="" xmlns:a16="http://schemas.microsoft.com/office/drawing/2014/main" id="{97B80B01-FCB7-4BA9-A472-CBD65D481F2A}"/>
               </a:ext>
             </a:extLst>
           </p:cNvPr>
@@ -10509,7 +11142,7 @@
           <p:cNvPr id="5" name="矩形: 圆角 4">
             <a:extLst>
               <a:ext uri="{FF2B5EF4-FFF2-40B4-BE49-F238E27FC236}">
-                <a16:creationId xmlns:a16="http://schemas.microsoft.com/office/drawing/2014/main" id="{311289DF-327A-4865-B09A-24C0143C7FC6}"/>
+                <a16:creationId xmlns="" xmlns:a16="http://schemas.microsoft.com/office/drawing/2014/main" id="{311289DF-327A-4865-B09A-24C0143C7FC6}"/>
               </a:ext>
             </a:extLst>
           </p:cNvPr>
@@ -10557,7 +11190,7 @@
           <p:cNvPr id="6" name="矩形: 圆角 5">
             <a:extLst>
               <a:ext uri="{FF2B5EF4-FFF2-40B4-BE49-F238E27FC236}">
-                <a16:creationId xmlns:a16="http://schemas.microsoft.com/office/drawing/2014/main" id="{9A339F0E-BB5A-448E-8457-FB61E642FFC0}"/>
+                <a16:creationId xmlns="" xmlns:a16="http://schemas.microsoft.com/office/drawing/2014/main" id="{9A339F0E-BB5A-448E-8457-FB61E642FFC0}"/>
               </a:ext>
             </a:extLst>
           </p:cNvPr>
@@ -10605,7 +11238,7 @@
           <p:cNvPr id="7" name="矩形 6">
             <a:extLst>
               <a:ext uri="{FF2B5EF4-FFF2-40B4-BE49-F238E27FC236}">
-                <a16:creationId xmlns:a16="http://schemas.microsoft.com/office/drawing/2014/main" id="{5BEC67AB-B83A-4EC8-BA4D-E3677721F2DF}"/>
+                <a16:creationId xmlns="" xmlns:a16="http://schemas.microsoft.com/office/drawing/2014/main" id="{5BEC67AB-B83A-4EC8-BA4D-E3677721F2DF}"/>
               </a:ext>
             </a:extLst>
           </p:cNvPr>
@@ -10652,7 +11285,7 @@
           <p:cNvPr id="9" name="直接箭头连接符 8">
             <a:extLst>
               <a:ext uri="{FF2B5EF4-FFF2-40B4-BE49-F238E27FC236}">
-                <a16:creationId xmlns:a16="http://schemas.microsoft.com/office/drawing/2014/main" id="{67B6DF43-D5FF-481B-AE60-63EEAD732386}"/>
+                <a16:creationId xmlns="" xmlns:a16="http://schemas.microsoft.com/office/drawing/2014/main" id="{67B6DF43-D5FF-481B-AE60-63EEAD732386}"/>
               </a:ext>
             </a:extLst>
           </p:cNvPr>
@@ -10691,7 +11324,7 @@
           <p:cNvPr id="10" name="文本框 9">
             <a:extLst>
               <a:ext uri="{FF2B5EF4-FFF2-40B4-BE49-F238E27FC236}">
-                <a16:creationId xmlns:a16="http://schemas.microsoft.com/office/drawing/2014/main" id="{32A0C898-FC47-43FF-B0A3-6EB45706B445}"/>
+                <a16:creationId xmlns="" xmlns:a16="http://schemas.microsoft.com/office/drawing/2014/main" id="{32A0C898-FC47-43FF-B0A3-6EB45706B445}"/>
               </a:ext>
             </a:extLst>
           </p:cNvPr>
@@ -10727,7 +11360,7 @@
           <p:cNvPr id="12" name="直接箭头连接符 11">
             <a:extLst>
               <a:ext uri="{FF2B5EF4-FFF2-40B4-BE49-F238E27FC236}">
-                <a16:creationId xmlns:a16="http://schemas.microsoft.com/office/drawing/2014/main" id="{1616BC13-C610-4B2C-9D27-27369E7A983A}"/>
+                <a16:creationId xmlns="" xmlns:a16="http://schemas.microsoft.com/office/drawing/2014/main" id="{1616BC13-C610-4B2C-9D27-27369E7A983A}"/>
               </a:ext>
             </a:extLst>
           </p:cNvPr>
@@ -10766,7 +11399,7 @@
           <p:cNvPr id="13" name="文本框 12">
             <a:extLst>
               <a:ext uri="{FF2B5EF4-FFF2-40B4-BE49-F238E27FC236}">
-                <a16:creationId xmlns:a16="http://schemas.microsoft.com/office/drawing/2014/main" id="{B8D3E7C4-E604-443A-A798-379A13DF4E4A}"/>
+                <a16:creationId xmlns="" xmlns:a16="http://schemas.microsoft.com/office/drawing/2014/main" id="{B8D3E7C4-E604-443A-A798-379A13DF4E4A}"/>
               </a:ext>
             </a:extLst>
           </p:cNvPr>
@@ -10808,7 +11441,7 @@
           <p:cNvPr id="18" name="文本框 17">
             <a:extLst>
               <a:ext uri="{FF2B5EF4-FFF2-40B4-BE49-F238E27FC236}">
-                <a16:creationId xmlns:a16="http://schemas.microsoft.com/office/drawing/2014/main" id="{E90284A0-4F16-407C-A604-264490C9B6D5}"/>
+                <a16:creationId xmlns="" xmlns:a16="http://schemas.microsoft.com/office/drawing/2014/main" id="{E90284A0-4F16-407C-A604-264490C9B6D5}"/>
               </a:ext>
             </a:extLst>
           </p:cNvPr>
@@ -10852,7 +11485,7 @@
           <p:cNvPr id="19" name="流程图: 多文档 18">
             <a:extLst>
               <a:ext uri="{FF2B5EF4-FFF2-40B4-BE49-F238E27FC236}">
-                <a16:creationId xmlns:a16="http://schemas.microsoft.com/office/drawing/2014/main" id="{ADD28637-9052-458B-8DE0-53037EF25E66}"/>
+                <a16:creationId xmlns="" xmlns:a16="http://schemas.microsoft.com/office/drawing/2014/main" id="{ADD28637-9052-458B-8DE0-53037EF25E66}"/>
               </a:ext>
             </a:extLst>
           </p:cNvPr>
@@ -10927,7 +11560,7 @@
           <p:cNvPr id="21" name="直接箭头连接符 20">
             <a:extLst>
               <a:ext uri="{FF2B5EF4-FFF2-40B4-BE49-F238E27FC236}">
-                <a16:creationId xmlns:a16="http://schemas.microsoft.com/office/drawing/2014/main" id="{6E99DAD4-F8BD-4F92-9D9A-6E0462B3B747}"/>
+                <a16:creationId xmlns="" xmlns:a16="http://schemas.microsoft.com/office/drawing/2014/main" id="{6E99DAD4-F8BD-4F92-9D9A-6E0462B3B747}"/>
               </a:ext>
             </a:extLst>
           </p:cNvPr>
@@ -10971,7 +11604,7 @@
           <p:cNvPr id="24" name="直接箭头连接符 23">
             <a:extLst>
               <a:ext uri="{FF2B5EF4-FFF2-40B4-BE49-F238E27FC236}">
-                <a16:creationId xmlns:a16="http://schemas.microsoft.com/office/drawing/2014/main" id="{EB1645A0-AB54-4297-AD0A-F14F3FC09D5C}"/>
+                <a16:creationId xmlns="" xmlns:a16="http://schemas.microsoft.com/office/drawing/2014/main" id="{EB1645A0-AB54-4297-AD0A-F14F3FC09D5C}"/>
               </a:ext>
             </a:extLst>
           </p:cNvPr>
@@ -11014,7 +11647,7 @@
           <p:cNvPr id="26" name="直接箭头连接符 25">
             <a:extLst>
               <a:ext uri="{FF2B5EF4-FFF2-40B4-BE49-F238E27FC236}">
-                <a16:creationId xmlns:a16="http://schemas.microsoft.com/office/drawing/2014/main" id="{84216694-CE2E-4AFC-A076-8F69599662DA}"/>
+                <a16:creationId xmlns="" xmlns:a16="http://schemas.microsoft.com/office/drawing/2014/main" id="{84216694-CE2E-4AFC-A076-8F69599662DA}"/>
               </a:ext>
             </a:extLst>
           </p:cNvPr>
@@ -11057,7 +11690,7 @@
           <p:cNvPr id="27" name="矩形: 圆角 26">
             <a:extLst>
               <a:ext uri="{FF2B5EF4-FFF2-40B4-BE49-F238E27FC236}">
-                <a16:creationId xmlns:a16="http://schemas.microsoft.com/office/drawing/2014/main" id="{187C08CD-5E42-4470-B3E3-C11A98E3DBFF}"/>
+                <a16:creationId xmlns="" xmlns:a16="http://schemas.microsoft.com/office/drawing/2014/main" id="{187C08CD-5E42-4470-B3E3-C11A98E3DBFF}"/>
               </a:ext>
             </a:extLst>
           </p:cNvPr>
@@ -11109,7 +11742,7 @@
           <p:cNvPr id="30" name="矩形: 圆角 29">
             <a:extLst>
               <a:ext uri="{FF2B5EF4-FFF2-40B4-BE49-F238E27FC236}">
-                <a16:creationId xmlns:a16="http://schemas.microsoft.com/office/drawing/2014/main" id="{6EAC852D-2E6E-4E63-A3C5-DD2CFF6C0D66}"/>
+                <a16:creationId xmlns="" xmlns:a16="http://schemas.microsoft.com/office/drawing/2014/main" id="{6EAC852D-2E6E-4E63-A3C5-DD2CFF6C0D66}"/>
               </a:ext>
             </a:extLst>
           </p:cNvPr>
@@ -11161,7 +11794,7 @@
           <p:cNvPr id="34" name="流程图: 多文档 33">
             <a:extLst>
               <a:ext uri="{FF2B5EF4-FFF2-40B4-BE49-F238E27FC236}">
-                <a16:creationId xmlns:a16="http://schemas.microsoft.com/office/drawing/2014/main" id="{038141A4-724F-4942-BB24-181001D0DA30}"/>
+                <a16:creationId xmlns="" xmlns:a16="http://schemas.microsoft.com/office/drawing/2014/main" id="{038141A4-724F-4942-BB24-181001D0DA30}"/>
               </a:ext>
             </a:extLst>
           </p:cNvPr>
@@ -11236,7 +11869,7 @@
           <p:cNvPr id="37" name="直接箭头连接符 36">
             <a:extLst>
               <a:ext uri="{FF2B5EF4-FFF2-40B4-BE49-F238E27FC236}">
-                <a16:creationId xmlns:a16="http://schemas.microsoft.com/office/drawing/2014/main" id="{2C5595AC-3558-414C-9103-C90DF88F13D7}"/>
+                <a16:creationId xmlns="" xmlns:a16="http://schemas.microsoft.com/office/drawing/2014/main" id="{2C5595AC-3558-414C-9103-C90DF88F13D7}"/>
               </a:ext>
             </a:extLst>
           </p:cNvPr>
@@ -11279,7 +11912,7 @@
           <p:cNvPr id="39" name="直接箭头连接符 38">
             <a:extLst>
               <a:ext uri="{FF2B5EF4-FFF2-40B4-BE49-F238E27FC236}">
-                <a16:creationId xmlns:a16="http://schemas.microsoft.com/office/drawing/2014/main" id="{725748E1-60E1-49FA-89BB-F9EAE7E4B89A}"/>
+                <a16:creationId xmlns="" xmlns:a16="http://schemas.microsoft.com/office/drawing/2014/main" id="{725748E1-60E1-49FA-89BB-F9EAE7E4B89A}"/>
               </a:ext>
             </a:extLst>
           </p:cNvPr>
@@ -11322,7 +11955,7 @@
           <p:cNvPr id="41" name="直接箭头连接符 40">
             <a:extLst>
               <a:ext uri="{FF2B5EF4-FFF2-40B4-BE49-F238E27FC236}">
-                <a16:creationId xmlns:a16="http://schemas.microsoft.com/office/drawing/2014/main" id="{384B8CB9-D5EA-4D94-9689-35F564D71500}"/>
+                <a16:creationId xmlns="" xmlns:a16="http://schemas.microsoft.com/office/drawing/2014/main" id="{384B8CB9-D5EA-4D94-9689-35F564D71500}"/>
               </a:ext>
             </a:extLst>
           </p:cNvPr>
@@ -11365,7 +11998,7 @@
           <p:cNvPr id="42" name="文本框 41">
             <a:extLst>
               <a:ext uri="{FF2B5EF4-FFF2-40B4-BE49-F238E27FC236}">
-                <a16:creationId xmlns:a16="http://schemas.microsoft.com/office/drawing/2014/main" id="{38307F24-5FA8-4831-8716-5EAA89D8B605}"/>
+                <a16:creationId xmlns="" xmlns:a16="http://schemas.microsoft.com/office/drawing/2014/main" id="{38307F24-5FA8-4831-8716-5EAA89D8B605}"/>
               </a:ext>
             </a:extLst>
           </p:cNvPr>
@@ -11401,7 +12034,7 @@
           <p:cNvPr id="43" name="文本框 42">
             <a:extLst>
               <a:ext uri="{FF2B5EF4-FFF2-40B4-BE49-F238E27FC236}">
-                <a16:creationId xmlns:a16="http://schemas.microsoft.com/office/drawing/2014/main" id="{059327A7-A6C2-497F-A589-433F27338566}"/>
+                <a16:creationId xmlns="" xmlns:a16="http://schemas.microsoft.com/office/drawing/2014/main" id="{059327A7-A6C2-497F-A589-433F27338566}"/>
               </a:ext>
             </a:extLst>
           </p:cNvPr>
@@ -11465,7 +12098,7 @@
           <p:cNvPr id="44" name="文本框 43">
             <a:extLst>
               <a:ext uri="{FF2B5EF4-FFF2-40B4-BE49-F238E27FC236}">
-                <a16:creationId xmlns:a16="http://schemas.microsoft.com/office/drawing/2014/main" id="{5D3CF304-2359-4C37-9C29-58163BECE9AE}"/>
+                <a16:creationId xmlns="" xmlns:a16="http://schemas.microsoft.com/office/drawing/2014/main" id="{5D3CF304-2359-4C37-9C29-58163BECE9AE}"/>
               </a:ext>
             </a:extLst>
           </p:cNvPr>
@@ -11500,7 +12133,7 @@
           <p:cNvPr id="45" name="文本框 44">
             <a:extLst>
               <a:ext uri="{FF2B5EF4-FFF2-40B4-BE49-F238E27FC236}">
-                <a16:creationId xmlns:a16="http://schemas.microsoft.com/office/drawing/2014/main" id="{718AFAA9-D1D9-4593-8E2B-17B82992F2A3}"/>
+                <a16:creationId xmlns="" xmlns:a16="http://schemas.microsoft.com/office/drawing/2014/main" id="{718AFAA9-D1D9-4593-8E2B-17B82992F2A3}"/>
               </a:ext>
             </a:extLst>
           </p:cNvPr>
@@ -11536,7 +12169,7 @@
           <p:cNvPr id="46" name="文本框 45">
             <a:extLst>
               <a:ext uri="{FF2B5EF4-FFF2-40B4-BE49-F238E27FC236}">
-                <a16:creationId xmlns:a16="http://schemas.microsoft.com/office/drawing/2014/main" id="{55F81BD7-C37A-408F-AE88-32FB3D472AAE}"/>
+                <a16:creationId xmlns="" xmlns:a16="http://schemas.microsoft.com/office/drawing/2014/main" id="{55F81BD7-C37A-408F-AE88-32FB3D472AAE}"/>
               </a:ext>
             </a:extLst>
           </p:cNvPr>
@@ -11598,10 +12231,896 @@
       </p:grpSpPr>
       <p:sp>
         <p:nvSpPr>
+          <p:cNvPr id="4" name="文本框 3"/>
+          <p:cNvSpPr txBox="1"/>
+          <p:nvPr/>
+        </p:nvSpPr>
+        <p:spPr>
+          <a:xfrm>
+            <a:off x="2098432" y="175846"/>
+            <a:ext cx="5350504" cy="4185761"/>
+          </a:xfrm>
+          <a:prstGeom prst="rect">
+            <a:avLst/>
+          </a:prstGeom>
+          <a:noFill/>
+        </p:spPr>
+        <p:txBody>
+          <a:bodyPr wrap="none" rtlCol="0">
+            <a:spAutoFit/>
+          </a:bodyPr>
+          <a:lstStyle/>
+          <a:p>
+            <a:r>
+              <a:rPr lang="zh-CN" altLang="en-US" sz="1400" dirty="0" smtClean="0"/>
+              <a:t>静态资源服务器</a:t>
+            </a:r>
+            <a:r>
+              <a:rPr lang="zh-CN" altLang="en-US" sz="1400" dirty="0" smtClean="0"/>
+              <a:t>（注意只有</a:t>
+            </a:r>
+            <a:r>
+              <a:rPr lang="en-US" altLang="zh-CN" sz="1400" dirty="0" smtClean="0"/>
+              <a:t>Client-Control</a:t>
+            </a:r>
+            <a:r>
+              <a:rPr lang="zh-CN" altLang="en-US" sz="1400" dirty="0" smtClean="0"/>
+              <a:t>的资源：</a:t>
+            </a:r>
+            <a:r>
+              <a:rPr lang="en-US" altLang="zh-CN" sz="1400" dirty="0" smtClean="0"/>
+              <a:t>website/static</a:t>
+            </a:r>
+            <a:r>
+              <a:rPr lang="en-US" altLang="zh-CN" sz="1400" dirty="0" smtClean="0"/>
+              <a:t>/</a:t>
+            </a:r>
+            <a:r>
+              <a:rPr lang="zh-CN" altLang="en-US" sz="1400" dirty="0" smtClean="0"/>
+              <a:t>）</a:t>
+            </a:r>
+            <a:endParaRPr lang="en-US" altLang="zh-CN" sz="1400" dirty="0" smtClean="0"/>
+          </a:p>
+          <a:p>
+            <a:r>
+              <a:rPr lang="en-US" altLang="zh-CN" sz="1400" dirty="0"/>
+              <a:t> </a:t>
+            </a:r>
+            <a:r>
+              <a:rPr lang="en-US" altLang="zh-CN" sz="1400" dirty="0" smtClean="0"/>
+              <a:t>   |__App</a:t>
+            </a:r>
+            <a:r>
+              <a:rPr lang="zh-CN" altLang="en-US" sz="1400" dirty="0" smtClean="0"/>
+              <a:t>（应用的</a:t>
+            </a:r>
+            <a:r>
+              <a:rPr lang="zh-CN" altLang="en-US" sz="1400" dirty="0"/>
+              <a:t>静态资源</a:t>
+            </a:r>
+            <a:r>
+              <a:rPr lang="zh-CN" altLang="en-US" sz="1400" dirty="0" smtClean="0"/>
+              <a:t>）</a:t>
+            </a:r>
+            <a:endParaRPr lang="en-US" altLang="zh-CN" sz="1400" dirty="0" smtClean="0"/>
+          </a:p>
+          <a:p>
+            <a:r>
+              <a:rPr lang="en-US" altLang="zh-CN" sz="1400" dirty="0"/>
+              <a:t> </a:t>
+            </a:r>
+            <a:r>
+              <a:rPr lang="en-US" altLang="zh-CN" sz="1400" dirty="0" smtClean="0"/>
+              <a:t>   </a:t>
+            </a:r>
+            <a:r>
+              <a:rPr lang="en-US" altLang="zh-CN" sz="1400" dirty="0" smtClean="0"/>
+              <a:t>|    |__</a:t>
+            </a:r>
+            <a:r>
+              <a:rPr lang="en-US" altLang="zh-CN" sz="1400" dirty="0" err="1" smtClean="0"/>
+              <a:t>AppName</a:t>
+            </a:r>
+            <a:r>
+              <a:rPr lang="zh-CN" altLang="en-US" sz="1400" dirty="0" smtClean="0"/>
+              <a:t>（应用</a:t>
+            </a:r>
+            <a:r>
+              <a:rPr lang="zh-CN" altLang="en-US" sz="1400" dirty="0" smtClean="0"/>
+              <a:t>名）</a:t>
+            </a:r>
+            <a:endParaRPr lang="en-US" altLang="zh-CN" sz="1400" dirty="0" smtClean="0"/>
+          </a:p>
+          <a:p>
+            <a:r>
+              <a:rPr lang="en-US" altLang="zh-CN" sz="1400" dirty="0"/>
+              <a:t> </a:t>
+            </a:r>
+            <a:r>
+              <a:rPr lang="en-US" altLang="zh-CN" sz="1400" dirty="0" smtClean="0"/>
+              <a:t>   |        |__</a:t>
+            </a:r>
+            <a:r>
+              <a:rPr lang="en-US" altLang="zh-CN" sz="1400" dirty="0" err="1" smtClean="0"/>
+              <a:t>BrankName</a:t>
+            </a:r>
+            <a:r>
+              <a:rPr lang="zh-CN" altLang="en-US" sz="1400" dirty="0" smtClean="0"/>
+              <a:t>（分支名，默认分支是</a:t>
+            </a:r>
+            <a:r>
+              <a:rPr lang="en-US" altLang="zh-CN" sz="1400" dirty="0" smtClean="0"/>
+              <a:t>master</a:t>
+            </a:r>
+            <a:r>
+              <a:rPr lang="zh-CN" altLang="en-US" sz="1400" dirty="0" smtClean="0"/>
+              <a:t>）</a:t>
+            </a:r>
+            <a:endParaRPr lang="en-US" altLang="zh-CN" sz="1400" dirty="0" smtClean="0"/>
+          </a:p>
+          <a:p>
+            <a:r>
+              <a:rPr lang="en-US" altLang="zh-CN" sz="1400" dirty="0"/>
+              <a:t> </a:t>
+            </a:r>
+            <a:r>
+              <a:rPr lang="en-US" altLang="zh-CN" sz="1400" dirty="0" smtClean="0"/>
+              <a:t>   |    </a:t>
+            </a:r>
+            <a:r>
+              <a:rPr lang="en-US" altLang="zh-CN" sz="1400" dirty="0" smtClean="0"/>
+              <a:t>        |__</a:t>
+            </a:r>
+            <a:r>
+              <a:rPr lang="en-US" altLang="zh-CN" sz="1400" dirty="0" smtClean="0"/>
+              <a:t>Version</a:t>
+            </a:r>
+            <a:r>
+              <a:rPr lang="zh-CN" altLang="en-US" sz="1400" dirty="0" smtClean="0"/>
+              <a:t>（应用的版本号）</a:t>
+            </a:r>
+            <a:endParaRPr lang="en-US" altLang="zh-CN" sz="1400" dirty="0" smtClean="0"/>
+          </a:p>
+          <a:p>
+            <a:r>
+              <a:rPr lang="en-US" altLang="zh-CN" sz="1400" dirty="0"/>
+              <a:t> </a:t>
+            </a:r>
+            <a:r>
+              <a:rPr lang="en-US" altLang="zh-CN" sz="1400" dirty="0" smtClean="0"/>
+              <a:t>   |        </a:t>
+            </a:r>
+            <a:r>
+              <a:rPr lang="en-US" altLang="zh-CN" sz="1400" dirty="0" smtClean="0"/>
+              <a:t>        |__</a:t>
+            </a:r>
+            <a:r>
+              <a:rPr lang="en-US" altLang="zh-CN" sz="1400" dirty="0" err="1" smtClean="0"/>
+              <a:t>js</a:t>
+            </a:r>
+            <a:r>
+              <a:rPr lang="zh-CN" altLang="en-US" sz="1400" dirty="0" smtClean="0"/>
+              <a:t>（</a:t>
+            </a:r>
+            <a:r>
+              <a:rPr lang="en-US" altLang="zh-CN" sz="1400" dirty="0" smtClean="0"/>
+              <a:t>JavaScript</a:t>
+            </a:r>
+            <a:r>
+              <a:rPr lang="zh-CN" altLang="en-US" sz="1400" dirty="0" smtClean="0"/>
+              <a:t>文件目录）</a:t>
+            </a:r>
+            <a:endParaRPr lang="en-US" altLang="zh-CN" sz="1400" dirty="0" smtClean="0"/>
+          </a:p>
+          <a:p>
+            <a:r>
+              <a:rPr lang="en-US" altLang="zh-CN" sz="1400" dirty="0" smtClean="0"/>
+              <a:t>    </a:t>
+            </a:r>
+            <a:r>
+              <a:rPr lang="en-US" altLang="zh-CN" sz="1400" dirty="0"/>
+              <a:t>|        </a:t>
+            </a:r>
+            <a:r>
+              <a:rPr lang="en-US" altLang="zh-CN" sz="1400" dirty="0" smtClean="0"/>
+              <a:t>        |__</a:t>
+            </a:r>
+            <a:r>
+              <a:rPr lang="en-US" altLang="zh-CN" sz="1400" dirty="0" err="1" smtClean="0"/>
+              <a:t>css</a:t>
+            </a:r>
+            <a:r>
+              <a:rPr lang="zh-CN" altLang="en-US" sz="1400" dirty="0" smtClean="0"/>
+              <a:t>（</a:t>
+            </a:r>
+            <a:r>
+              <a:rPr lang="en-US" altLang="zh-CN" sz="1400" dirty="0" err="1" smtClean="0"/>
+              <a:t>Css</a:t>
+            </a:r>
+            <a:r>
+              <a:rPr lang="zh-CN" altLang="en-US" sz="1400" dirty="0" smtClean="0"/>
+              <a:t>文件目录）</a:t>
+            </a:r>
+            <a:endParaRPr lang="en-US" altLang="zh-CN" sz="1400" dirty="0" smtClean="0"/>
+          </a:p>
+          <a:p>
+            <a:r>
+              <a:rPr lang="en-US" altLang="zh-CN" sz="1400" dirty="0" smtClean="0"/>
+              <a:t>    </a:t>
+            </a:r>
+            <a:r>
+              <a:rPr lang="en-US" altLang="zh-CN" sz="1400" dirty="0"/>
+              <a:t>|        </a:t>
+            </a:r>
+            <a:r>
+              <a:rPr lang="en-US" altLang="zh-CN" sz="1400" dirty="0" smtClean="0"/>
+              <a:t>        |__</a:t>
+            </a:r>
+            <a:r>
+              <a:rPr lang="en-US" altLang="zh-CN" sz="1400" dirty="0" err="1" smtClean="0"/>
+              <a:t>img</a:t>
+            </a:r>
+            <a:r>
+              <a:rPr lang="zh-CN" altLang="en-US" sz="1400" dirty="0" smtClean="0"/>
+              <a:t>（图片文件目录）</a:t>
+            </a:r>
+            <a:endParaRPr lang="en-US" altLang="zh-CN" sz="1400" dirty="0" smtClean="0"/>
+          </a:p>
+          <a:p>
+            <a:r>
+              <a:rPr lang="en-US" altLang="zh-CN" sz="1400" dirty="0" smtClean="0"/>
+              <a:t>    </a:t>
+            </a:r>
+            <a:r>
+              <a:rPr lang="en-US" altLang="zh-CN" sz="1400" dirty="0"/>
+              <a:t>|        </a:t>
+            </a:r>
+            <a:r>
+              <a:rPr lang="en-US" altLang="zh-CN" sz="1400" dirty="0" smtClean="0"/>
+              <a:t>        |__...</a:t>
+            </a:r>
+            <a:r>
+              <a:rPr lang="zh-CN" altLang="en-US" sz="1400" dirty="0" smtClean="0"/>
+              <a:t>（应用自定义的目录或文件）</a:t>
+            </a:r>
+            <a:endParaRPr lang="en-US" altLang="zh-CN" sz="1400" dirty="0" smtClean="0"/>
+          </a:p>
+          <a:p>
+            <a:r>
+              <a:rPr lang="en-US" altLang="zh-CN" sz="1400" dirty="0" smtClean="0"/>
+              <a:t>    |__</a:t>
+            </a:r>
+            <a:r>
+              <a:rPr lang="en-US" altLang="zh-CN" sz="1400" dirty="0" err="1" smtClean="0"/>
+              <a:t>EmbedControls</a:t>
+            </a:r>
+            <a:r>
+              <a:rPr lang="zh-CN" altLang="en-US" sz="1400" dirty="0" smtClean="0"/>
+              <a:t>（内嵌控件</a:t>
+            </a:r>
+            <a:r>
+              <a:rPr lang="zh-CN" altLang="en-US" sz="1400" dirty="0"/>
+              <a:t>的静态资源</a:t>
+            </a:r>
+            <a:r>
+              <a:rPr lang="zh-CN" altLang="en-US" sz="1400" dirty="0" smtClean="0"/>
+              <a:t>）</a:t>
+            </a:r>
+            <a:endParaRPr lang="en-US" altLang="zh-CN" sz="1400" dirty="0" smtClean="0"/>
+          </a:p>
+          <a:p>
+            <a:r>
+              <a:rPr lang="en-US" altLang="zh-CN" sz="1400" dirty="0"/>
+              <a:t> </a:t>
+            </a:r>
+            <a:r>
+              <a:rPr lang="en-US" altLang="zh-CN" sz="1400" dirty="0" smtClean="0"/>
+              <a:t>   |    |__</a:t>
+            </a:r>
+            <a:r>
+              <a:rPr lang="en-US" altLang="zh-CN" sz="1400" dirty="0" err="1" smtClean="0"/>
+              <a:t>ControlName</a:t>
+            </a:r>
+            <a:r>
+              <a:rPr lang="zh-CN" altLang="en-US" sz="1400" dirty="0" smtClean="0"/>
+              <a:t>（控件名</a:t>
+            </a:r>
+            <a:r>
+              <a:rPr lang="zh-CN" altLang="en-US" sz="1400" dirty="0" smtClean="0"/>
+              <a:t>）</a:t>
+            </a:r>
+            <a:endParaRPr lang="en-US" altLang="zh-CN" sz="1400" dirty="0" smtClean="0"/>
+          </a:p>
+          <a:p>
+            <a:r>
+              <a:rPr lang="en-US" altLang="zh-CN" sz="1400" dirty="0"/>
+              <a:t> </a:t>
+            </a:r>
+            <a:r>
+              <a:rPr lang="en-US" altLang="zh-CN" sz="1400" dirty="0" smtClean="0"/>
+              <a:t>   |        </a:t>
+            </a:r>
+            <a:r>
+              <a:rPr lang="en-US" altLang="zh-CN" sz="1400" dirty="0"/>
+              <a:t>|__</a:t>
+            </a:r>
+            <a:r>
+              <a:rPr lang="en-US" altLang="zh-CN" sz="1400" dirty="0" err="1"/>
+              <a:t>BrankName</a:t>
+            </a:r>
+            <a:r>
+              <a:rPr lang="zh-CN" altLang="en-US" sz="1400" dirty="0"/>
+              <a:t>（分支名，默认分支是</a:t>
+            </a:r>
+            <a:r>
+              <a:rPr lang="en-US" altLang="zh-CN" sz="1400" dirty="0"/>
+              <a:t>master</a:t>
+            </a:r>
+            <a:r>
+              <a:rPr lang="zh-CN" altLang="en-US" sz="1400" dirty="0"/>
+              <a:t>）</a:t>
+            </a:r>
+            <a:endParaRPr lang="en-US" altLang="zh-CN" sz="1400" dirty="0" smtClean="0"/>
+          </a:p>
+          <a:p>
+            <a:r>
+              <a:rPr lang="en-US" altLang="zh-CN" sz="1400" dirty="0"/>
+              <a:t> </a:t>
+            </a:r>
+            <a:r>
+              <a:rPr lang="en-US" altLang="zh-CN" sz="1400" dirty="0" smtClean="0"/>
+              <a:t>   |       </a:t>
+            </a:r>
+            <a:r>
+              <a:rPr lang="en-US" altLang="zh-CN" sz="1400" dirty="0" smtClean="0"/>
+              <a:t>     </a:t>
+            </a:r>
+            <a:r>
+              <a:rPr lang="en-US" altLang="zh-CN" sz="1400" dirty="0" smtClean="0"/>
+              <a:t>|__</a:t>
+            </a:r>
+            <a:r>
+              <a:rPr lang="en-US" altLang="zh-CN" sz="1400" dirty="0"/>
+              <a:t>Version</a:t>
+            </a:r>
+            <a:r>
+              <a:rPr lang="zh-CN" altLang="en-US" sz="1400" dirty="0" smtClean="0"/>
+              <a:t>（</a:t>
+            </a:r>
+            <a:r>
+              <a:rPr lang="zh-CN" altLang="en-US" sz="1400" dirty="0"/>
+              <a:t>控件</a:t>
+            </a:r>
+            <a:r>
+              <a:rPr lang="zh-CN" altLang="en-US" sz="1400" dirty="0" smtClean="0"/>
+              <a:t>的</a:t>
+            </a:r>
+            <a:r>
+              <a:rPr lang="zh-CN" altLang="en-US" sz="1400" dirty="0"/>
+              <a:t>版本号</a:t>
+            </a:r>
+            <a:r>
+              <a:rPr lang="zh-CN" altLang="en-US" sz="1400" dirty="0" smtClean="0"/>
+              <a:t>）</a:t>
+            </a:r>
+            <a:endParaRPr lang="en-US" altLang="zh-CN" sz="1400" dirty="0" smtClean="0"/>
+          </a:p>
+          <a:p>
+            <a:r>
+              <a:rPr lang="en-US" altLang="zh-CN" sz="1400" dirty="0" smtClean="0"/>
+              <a:t>    </a:t>
+            </a:r>
+            <a:r>
+              <a:rPr lang="en-US" altLang="zh-CN" sz="1400" dirty="0"/>
+              <a:t>|      </a:t>
+            </a:r>
+            <a:r>
+              <a:rPr lang="en-US" altLang="zh-CN" sz="1400" dirty="0" smtClean="0"/>
+              <a:t>  </a:t>
+            </a:r>
+            <a:r>
+              <a:rPr lang="en-US" altLang="zh-CN" sz="1400" dirty="0" smtClean="0"/>
+              <a:t>        </a:t>
+            </a:r>
+            <a:r>
+              <a:rPr lang="en-US" altLang="zh-CN" sz="1400" dirty="0"/>
+              <a:t>|__</a:t>
+            </a:r>
+            <a:r>
+              <a:rPr lang="en-US" altLang="zh-CN" sz="1400" dirty="0" err="1"/>
+              <a:t>js</a:t>
+            </a:r>
+            <a:r>
+              <a:rPr lang="zh-CN" altLang="en-US" sz="1400" dirty="0"/>
+              <a:t>（</a:t>
+            </a:r>
+            <a:r>
+              <a:rPr lang="en-US" altLang="zh-CN" sz="1400" dirty="0"/>
+              <a:t>JavaScript</a:t>
+            </a:r>
+            <a:r>
+              <a:rPr lang="zh-CN" altLang="en-US" sz="1400" dirty="0"/>
+              <a:t>文件目录）</a:t>
+            </a:r>
+            <a:endParaRPr lang="en-US" altLang="zh-CN" sz="1400" dirty="0"/>
+          </a:p>
+          <a:p>
+            <a:r>
+              <a:rPr lang="en-US" altLang="zh-CN" sz="1400" dirty="0"/>
+              <a:t>    | </a:t>
+            </a:r>
+            <a:r>
+              <a:rPr lang="en-US" altLang="zh-CN" sz="1400" dirty="0" smtClean="0"/>
+              <a:t>       </a:t>
+            </a:r>
+            <a:r>
+              <a:rPr lang="en-US" altLang="zh-CN" sz="1400" dirty="0" smtClean="0"/>
+              <a:t>        </a:t>
+            </a:r>
+            <a:r>
+              <a:rPr lang="en-US" altLang="zh-CN" sz="1400" dirty="0"/>
+              <a:t>|__</a:t>
+            </a:r>
+            <a:r>
+              <a:rPr lang="en-US" altLang="zh-CN" sz="1400" dirty="0" err="1"/>
+              <a:t>css</a:t>
+            </a:r>
+            <a:r>
+              <a:rPr lang="zh-CN" altLang="en-US" sz="1400" dirty="0"/>
+              <a:t>（</a:t>
+            </a:r>
+            <a:r>
+              <a:rPr lang="en-US" altLang="zh-CN" sz="1400" dirty="0" err="1"/>
+              <a:t>Css</a:t>
+            </a:r>
+            <a:r>
+              <a:rPr lang="zh-CN" altLang="en-US" sz="1400" dirty="0"/>
+              <a:t>文件目录）</a:t>
+            </a:r>
+            <a:endParaRPr lang="en-US" altLang="zh-CN" sz="1400" dirty="0"/>
+          </a:p>
+          <a:p>
+            <a:r>
+              <a:rPr lang="en-US" altLang="zh-CN" sz="1400" dirty="0"/>
+              <a:t>    |      </a:t>
+            </a:r>
+            <a:r>
+              <a:rPr lang="en-US" altLang="zh-CN" sz="1400" dirty="0" smtClean="0"/>
+              <a:t>   </a:t>
+            </a:r>
+            <a:r>
+              <a:rPr lang="en-US" altLang="zh-CN" sz="1400" dirty="0" smtClean="0"/>
+              <a:t>       </a:t>
+            </a:r>
+            <a:r>
+              <a:rPr lang="en-US" altLang="zh-CN" sz="1400" dirty="0"/>
+              <a:t>|__</a:t>
+            </a:r>
+            <a:r>
+              <a:rPr lang="en-US" altLang="zh-CN" sz="1400" dirty="0" err="1"/>
+              <a:t>img</a:t>
+            </a:r>
+            <a:r>
+              <a:rPr lang="zh-CN" altLang="en-US" sz="1400" dirty="0"/>
+              <a:t>（图片文件目录）</a:t>
+            </a:r>
+            <a:endParaRPr lang="en-US" altLang="zh-CN" sz="1400" dirty="0"/>
+          </a:p>
+          <a:p>
+            <a:r>
+              <a:rPr lang="en-US" altLang="zh-CN" sz="1400" dirty="0"/>
+              <a:t>    |     </a:t>
+            </a:r>
+            <a:r>
+              <a:rPr lang="en-US" altLang="zh-CN" sz="1400" dirty="0" smtClean="0"/>
+              <a:t>    </a:t>
+            </a:r>
+            <a:r>
+              <a:rPr lang="en-US" altLang="zh-CN" sz="1400" dirty="0" smtClean="0"/>
+              <a:t>       </a:t>
+            </a:r>
+            <a:r>
+              <a:rPr lang="en-US" altLang="zh-CN" sz="1400" dirty="0"/>
+              <a:t>|__...</a:t>
+            </a:r>
+            <a:r>
+              <a:rPr lang="zh-CN" altLang="en-US" sz="1400" dirty="0" smtClean="0"/>
+              <a:t>（控件自定义</a:t>
+            </a:r>
+            <a:r>
+              <a:rPr lang="zh-CN" altLang="en-US" sz="1400" dirty="0"/>
+              <a:t>的目录或文件</a:t>
+            </a:r>
+            <a:r>
+              <a:rPr lang="zh-CN" altLang="en-US" sz="1400" dirty="0" smtClean="0"/>
+              <a:t>）</a:t>
+            </a:r>
+            <a:endParaRPr lang="en-US" altLang="zh-CN" sz="1400" dirty="0" smtClean="0"/>
+          </a:p>
+          <a:p>
+            <a:r>
+              <a:rPr lang="en-US" altLang="zh-CN" sz="1400" dirty="0"/>
+              <a:t> </a:t>
+            </a:r>
+            <a:r>
+              <a:rPr lang="en-US" altLang="zh-CN" sz="1400" dirty="0" smtClean="0"/>
+              <a:t>   |__</a:t>
+            </a:r>
+            <a:r>
+              <a:rPr lang="en-US" altLang="zh-CN" sz="1400" dirty="0" err="1" smtClean="0"/>
+              <a:t>DIYTControls</a:t>
+            </a:r>
+            <a:r>
+              <a:rPr lang="zh-CN" altLang="en-US" sz="1400" dirty="0" smtClean="0"/>
+              <a:t>（自定义控件的静态资源）</a:t>
+            </a:r>
+            <a:endParaRPr lang="en-US" altLang="zh-CN" sz="1400" dirty="0" smtClean="0"/>
+          </a:p>
+          <a:p>
+            <a:r>
+              <a:rPr lang="en-US" altLang="zh-CN" sz="1400" dirty="0"/>
+              <a:t> </a:t>
+            </a:r>
+            <a:r>
+              <a:rPr lang="en-US" altLang="zh-CN" sz="1400" dirty="0" smtClean="0"/>
+              <a:t>   </a:t>
+            </a:r>
+            <a:r>
+              <a:rPr lang="en-US" altLang="zh-CN" sz="1400" dirty="0" smtClean="0"/>
+              <a:t>      |__...</a:t>
+            </a:r>
+            <a:r>
+              <a:rPr lang="zh-CN" altLang="en-US" sz="1400" dirty="0" smtClean="0"/>
+              <a:t>（与内嵌控件目录定义一致）</a:t>
+            </a:r>
+            <a:endParaRPr lang="en-US" altLang="zh-CN" sz="1400" dirty="0" smtClean="0"/>
+          </a:p>
+        </p:txBody>
+      </p:sp>
+      <p:sp>
+        <p:nvSpPr>
+          <p:cNvPr id="5" name="文本框 4">
+            <a:extLst>
+              <a:ext uri="{FF2B5EF4-FFF2-40B4-BE49-F238E27FC236}">
+                <a16:creationId xmlns="" xmlns:a16="http://schemas.microsoft.com/office/drawing/2014/main" id="{97B80B01-FCB7-4BA9-A472-CBD65D481F2A}"/>
+              </a:ext>
+            </a:extLst>
+          </p:cNvPr>
+          <p:cNvSpPr txBox="1"/>
+          <p:nvPr/>
+        </p:nvSpPr>
+        <p:spPr>
+          <a:xfrm>
+            <a:off x="0" y="264984"/>
+            <a:ext cx="2168769" cy="830997"/>
+          </a:xfrm>
+          <a:prstGeom prst="rect">
+            <a:avLst/>
+          </a:prstGeom>
+          <a:noFill/>
+        </p:spPr>
+        <p:txBody>
+          <a:bodyPr wrap="square" rtlCol="0">
+            <a:spAutoFit/>
+          </a:bodyPr>
+          <a:lstStyle/>
+          <a:p>
+            <a:r>
+              <a:rPr lang="zh-CN" altLang="en-US" sz="2400" dirty="0" smtClean="0"/>
+              <a:t>服务器目录结构设置</a:t>
+            </a:r>
+            <a:endParaRPr lang="zh-CN" altLang="en-US" sz="2400" dirty="0"/>
+          </a:p>
+        </p:txBody>
+      </p:sp>
+      <p:sp>
+        <p:nvSpPr>
+          <p:cNvPr id="7" name="文本框 6"/>
+          <p:cNvSpPr txBox="1"/>
+          <p:nvPr/>
+        </p:nvSpPr>
+        <p:spPr>
+          <a:xfrm>
+            <a:off x="7373816" y="211014"/>
+            <a:ext cx="4349717" cy="2462213"/>
+          </a:xfrm>
+          <a:prstGeom prst="rect">
+            <a:avLst/>
+          </a:prstGeom>
+          <a:noFill/>
+        </p:spPr>
+        <p:txBody>
+          <a:bodyPr wrap="none" rtlCol="0">
+            <a:spAutoFit/>
+          </a:bodyPr>
+          <a:lstStyle/>
+          <a:p>
+            <a:r>
+              <a:rPr lang="zh-CN" altLang="en-US" sz="1400" dirty="0" smtClean="0"/>
+              <a:t>控件仓库服务器（</a:t>
+            </a:r>
+            <a:r>
+              <a:rPr lang="en-US" altLang="zh-CN" sz="1400" dirty="0" smtClean="0"/>
+              <a:t>website/store</a:t>
+            </a:r>
+            <a:r>
+              <a:rPr lang="en-US" altLang="zh-CN" sz="1400" dirty="0" smtClean="0"/>
+              <a:t>/</a:t>
+            </a:r>
+            <a:r>
+              <a:rPr lang="zh-CN" altLang="en-US" sz="1400" dirty="0" smtClean="0"/>
+              <a:t>）</a:t>
+            </a:r>
+            <a:endParaRPr lang="en-US" altLang="zh-CN" sz="1400" dirty="0" smtClean="0"/>
+          </a:p>
+          <a:p>
+            <a:r>
+              <a:rPr lang="en-US" altLang="zh-CN" sz="1400" dirty="0" smtClean="0"/>
+              <a:t>|__</a:t>
+            </a:r>
+            <a:r>
+              <a:rPr lang="en-US" altLang="zh-CN" sz="1400" dirty="0" err="1" smtClean="0"/>
+              <a:t>AppLib</a:t>
+            </a:r>
+            <a:r>
+              <a:rPr lang="zh-CN" altLang="en-US" sz="1400" dirty="0" smtClean="0"/>
+              <a:t>（应用仓库，保存应用版本包）</a:t>
+            </a:r>
+            <a:endParaRPr lang="en-US" altLang="zh-CN" sz="1400" dirty="0" smtClean="0"/>
+          </a:p>
+          <a:p>
+            <a:r>
+              <a:rPr lang="en-US" altLang="zh-CN" sz="1400" dirty="0"/>
+              <a:t> </a:t>
+            </a:r>
+            <a:r>
+              <a:rPr lang="en-US" altLang="zh-CN" sz="1400" dirty="0" smtClean="0"/>
+              <a:t>   |    |__</a:t>
+            </a:r>
+            <a:r>
+              <a:rPr lang="en-US" altLang="zh-CN" sz="1400" dirty="0"/>
+              <a:t> </a:t>
+            </a:r>
+            <a:r>
+              <a:rPr lang="en-US" altLang="zh-CN" sz="1400" dirty="0" err="1" smtClean="0"/>
+              <a:t>AppName</a:t>
+            </a:r>
+            <a:r>
+              <a:rPr lang="zh-CN" altLang="en-US" sz="1400" dirty="0" smtClean="0"/>
+              <a:t>（应用</a:t>
+            </a:r>
+            <a:r>
+              <a:rPr lang="zh-CN" altLang="en-US" sz="1400" dirty="0" smtClean="0"/>
+              <a:t>名）</a:t>
+            </a:r>
+            <a:endParaRPr lang="en-US" altLang="zh-CN" sz="1400" dirty="0" smtClean="0"/>
+          </a:p>
+          <a:p>
+            <a:r>
+              <a:rPr lang="en-US" altLang="zh-CN" sz="1400" dirty="0"/>
+              <a:t> </a:t>
+            </a:r>
+            <a:r>
+              <a:rPr lang="en-US" altLang="zh-CN" sz="1400" dirty="0" smtClean="0"/>
+              <a:t>   |        </a:t>
+            </a:r>
+            <a:r>
+              <a:rPr lang="en-US" altLang="zh-CN" sz="1400" dirty="0"/>
+              <a:t>|__</a:t>
+            </a:r>
+            <a:r>
+              <a:rPr lang="en-US" altLang="zh-CN" sz="1400" dirty="0" err="1"/>
+              <a:t>BrankName</a:t>
+            </a:r>
+            <a:r>
+              <a:rPr lang="zh-CN" altLang="en-US" sz="1400" dirty="0"/>
+              <a:t>（分支名，默认分支是</a:t>
+            </a:r>
+            <a:r>
+              <a:rPr lang="en-US" altLang="zh-CN" sz="1400" dirty="0"/>
+              <a:t>master</a:t>
+            </a:r>
+            <a:r>
+              <a:rPr lang="zh-CN" altLang="en-US" sz="1400" dirty="0" smtClean="0"/>
+              <a:t>）</a:t>
+            </a:r>
+            <a:endParaRPr lang="en-US" altLang="zh-CN" sz="1400" dirty="0" smtClean="0"/>
+          </a:p>
+          <a:p>
+            <a:r>
+              <a:rPr lang="en-US" altLang="zh-CN" sz="1400" dirty="0"/>
+              <a:t> </a:t>
+            </a:r>
+            <a:r>
+              <a:rPr lang="en-US" altLang="zh-CN" sz="1400" dirty="0" smtClean="0"/>
+              <a:t>   |              |__</a:t>
+            </a:r>
+            <a:r>
+              <a:rPr lang="zh-CN" altLang="en-US" sz="1400" dirty="0"/>
+              <a:t> </a:t>
+            </a:r>
+            <a:r>
+              <a:rPr lang="en-US" altLang="zh-CN" sz="1400" dirty="0" smtClean="0"/>
+              <a:t>…</a:t>
+            </a:r>
+            <a:r>
+              <a:rPr lang="zh-CN" altLang="en-US" sz="1400" dirty="0" smtClean="0"/>
+              <a:t>（</a:t>
+            </a:r>
+            <a:r>
+              <a:rPr lang="zh-CN" altLang="en-US" sz="1400" dirty="0"/>
+              <a:t>直接放各版本压缩包</a:t>
+            </a:r>
+            <a:r>
+              <a:rPr lang="zh-CN" altLang="en-US" sz="1400" dirty="0" smtClean="0"/>
+              <a:t>）</a:t>
+            </a:r>
+            <a:endParaRPr lang="en-US" altLang="zh-CN" sz="1400" dirty="0" smtClean="0"/>
+          </a:p>
+          <a:p>
+            <a:r>
+              <a:rPr lang="en-US" altLang="zh-CN" sz="1400" dirty="0" smtClean="0"/>
+              <a:t>    |__</a:t>
+            </a:r>
+            <a:r>
+              <a:rPr lang="en-US" altLang="zh-CN" sz="1400" dirty="0" err="1" smtClean="0"/>
+              <a:t>EmbedControlLib</a:t>
+            </a:r>
+            <a:r>
+              <a:rPr lang="zh-CN" altLang="en-US" sz="1400" dirty="0" smtClean="0"/>
+              <a:t>（内嵌控件仓库）</a:t>
+            </a:r>
+            <a:endParaRPr lang="en-US" altLang="zh-CN" sz="1400" dirty="0" smtClean="0"/>
+          </a:p>
+          <a:p>
+            <a:r>
+              <a:rPr lang="en-US" altLang="zh-CN" sz="1400" dirty="0" smtClean="0"/>
+              <a:t>    </a:t>
+            </a:r>
+            <a:r>
+              <a:rPr lang="en-US" altLang="zh-CN" sz="1400" dirty="0" smtClean="0"/>
+              <a:t>|    |__</a:t>
+            </a:r>
+            <a:r>
+              <a:rPr lang="en-US" altLang="zh-CN" sz="1400" dirty="0" err="1"/>
+              <a:t>ControlName</a:t>
+            </a:r>
+            <a:r>
+              <a:rPr lang="zh-CN" altLang="en-US" sz="1400" dirty="0"/>
+              <a:t>（控件名</a:t>
+            </a:r>
+            <a:r>
+              <a:rPr lang="zh-CN" altLang="en-US" sz="1400" dirty="0" smtClean="0"/>
+              <a:t>）</a:t>
+            </a:r>
+            <a:endParaRPr lang="en-US" altLang="zh-CN" sz="1400" dirty="0" smtClean="0"/>
+          </a:p>
+          <a:p>
+            <a:r>
+              <a:rPr lang="en-US" altLang="zh-CN" sz="1400" dirty="0"/>
+              <a:t> </a:t>
+            </a:r>
+            <a:r>
+              <a:rPr lang="en-US" altLang="zh-CN" sz="1400" dirty="0" smtClean="0"/>
+              <a:t>   |        </a:t>
+            </a:r>
+            <a:r>
+              <a:rPr lang="en-US" altLang="zh-CN" sz="1400" dirty="0"/>
+              <a:t>|__</a:t>
+            </a:r>
+            <a:r>
+              <a:rPr lang="en-US" altLang="zh-CN" sz="1400" dirty="0" err="1"/>
+              <a:t>BrankName</a:t>
+            </a:r>
+            <a:r>
+              <a:rPr lang="zh-CN" altLang="en-US" sz="1400" dirty="0"/>
+              <a:t>（分支名，默认分支是</a:t>
+            </a:r>
+            <a:r>
+              <a:rPr lang="en-US" altLang="zh-CN" sz="1400" dirty="0"/>
+              <a:t>master</a:t>
+            </a:r>
+            <a:r>
+              <a:rPr lang="zh-CN" altLang="en-US" sz="1400" dirty="0"/>
+              <a:t>）</a:t>
+            </a:r>
+            <a:endParaRPr lang="en-US" altLang="zh-CN" sz="1400" dirty="0"/>
+          </a:p>
+          <a:p>
+            <a:r>
+              <a:rPr lang="en-US" altLang="zh-CN" sz="1400" dirty="0"/>
+              <a:t>    |              |__</a:t>
+            </a:r>
+            <a:r>
+              <a:rPr lang="zh-CN" altLang="en-US" sz="1400" dirty="0"/>
+              <a:t> </a:t>
+            </a:r>
+            <a:r>
+              <a:rPr lang="en-US" altLang="zh-CN" sz="1400" dirty="0"/>
+              <a:t>…</a:t>
+            </a:r>
+            <a:r>
+              <a:rPr lang="zh-CN" altLang="en-US" sz="1400" dirty="0"/>
+              <a:t>（直接放各版本压缩包）</a:t>
+            </a:r>
+            <a:endParaRPr lang="en-US" altLang="zh-CN" sz="1400" dirty="0" smtClean="0"/>
+          </a:p>
+          <a:p>
+            <a:r>
+              <a:rPr lang="en-US" altLang="zh-CN" sz="1400" dirty="0"/>
+              <a:t> </a:t>
+            </a:r>
+            <a:r>
+              <a:rPr lang="en-US" altLang="zh-CN" sz="1400" dirty="0" smtClean="0"/>
+              <a:t>   |__</a:t>
+            </a:r>
+            <a:r>
+              <a:rPr lang="en-US" altLang="zh-CN" sz="1400" dirty="0"/>
+              <a:t> </a:t>
+            </a:r>
+            <a:r>
+              <a:rPr lang="en-US" altLang="zh-CN" sz="1400" dirty="0" err="1" smtClean="0"/>
+              <a:t>DIYTControlLib</a:t>
+            </a:r>
+            <a:r>
+              <a:rPr lang="zh-CN" altLang="en-US" sz="1400" dirty="0" smtClean="0"/>
+              <a:t>（自定义控件仓库）</a:t>
+            </a:r>
+            <a:endParaRPr lang="en-US" altLang="zh-CN" sz="1400" dirty="0" smtClean="0"/>
+          </a:p>
+          <a:p>
+            <a:r>
+              <a:rPr lang="en-US" altLang="zh-CN" sz="1400" dirty="0" smtClean="0"/>
+              <a:t>          </a:t>
+            </a:r>
+            <a:r>
+              <a:rPr lang="en-US" altLang="zh-CN" sz="1400" dirty="0" smtClean="0"/>
+              <a:t>|__...</a:t>
+            </a:r>
+            <a:r>
+              <a:rPr lang="zh-CN" altLang="en-US" sz="1400" dirty="0" smtClean="0"/>
+              <a:t>（与内嵌控件仓库定义一致）</a:t>
+            </a:r>
+            <a:endParaRPr lang="en-US" altLang="zh-CN" sz="1400" dirty="0" smtClean="0"/>
+          </a:p>
+        </p:txBody>
+      </p:sp>
+    </p:spTree>
+    <p:extLst>
+      <p:ext uri="{BB962C8B-B14F-4D97-AF65-F5344CB8AC3E}">
+        <p14:creationId xmlns:p14="http://schemas.microsoft.com/office/powerpoint/2010/main" val="3395707501"/>
+      </p:ext>
+    </p:extLst>
+  </p:cSld>
+  <p:clrMapOvr>
+    <a:masterClrMapping/>
+  </p:clrMapOvr>
+</p:sld>
+</file>
+
+<file path=ppt/slides/slide7.xml><?xml version="1.0" encoding="utf-8"?>
+<p:sld xmlns:a="http://schemas.openxmlformats.org/drawingml/2006/main" xmlns:r="http://schemas.openxmlformats.org/officeDocument/2006/relationships" xmlns:p="http://schemas.openxmlformats.org/presentationml/2006/main">
+  <p:cSld>
+    <p:spTree>
+      <p:nvGrpSpPr>
+        <p:cNvPr id="1" name=""/>
+        <p:cNvGrpSpPr/>
+        <p:nvPr/>
+      </p:nvGrpSpPr>
+      <p:grpSpPr>
+        <a:xfrm>
+          <a:off x="0" y="0"/>
+          <a:ext cx="0" cy="0"/>
+          <a:chOff x="0" y="0"/>
+          <a:chExt cx="0" cy="0"/>
+        </a:xfrm>
+      </p:grpSpPr>
+      <p:sp>
+        <p:nvSpPr>
           <p:cNvPr id="4" name="文本框 3">
             <a:extLst>
               <a:ext uri="{FF2B5EF4-FFF2-40B4-BE49-F238E27FC236}">
-                <a16:creationId xmlns:a16="http://schemas.microsoft.com/office/drawing/2014/main" id="{A564E919-CFC0-4A92-8CC0-C45B17320630}"/>
+                <a16:creationId xmlns="" xmlns:a16="http://schemas.microsoft.com/office/drawing/2014/main" id="{A564E919-CFC0-4A92-8CC0-C45B17320630}"/>
               </a:ext>
             </a:extLst>
           </p:cNvPr>
@@ -11644,7 +13163,7 @@
           <p:cNvPr id="5" name="圆角矩形 9">
             <a:extLst>
               <a:ext uri="{FF2B5EF4-FFF2-40B4-BE49-F238E27FC236}">
-                <a16:creationId xmlns:a16="http://schemas.microsoft.com/office/drawing/2014/main" id="{6EEF641A-EFFE-4939-9A08-97DA9CE26B5B}"/>
+                <a16:creationId xmlns="" xmlns:a16="http://schemas.microsoft.com/office/drawing/2014/main" id="{6EEF641A-EFFE-4939-9A08-97DA9CE26B5B}"/>
               </a:ext>
             </a:extLst>
           </p:cNvPr>
@@ -11692,7 +13211,7 @@
           <p:cNvPr id="6" name="流程图: 延期 5">
             <a:extLst>
               <a:ext uri="{FF2B5EF4-FFF2-40B4-BE49-F238E27FC236}">
-                <a16:creationId xmlns:a16="http://schemas.microsoft.com/office/drawing/2014/main" id="{721ECA60-289D-4E83-911F-341083C9638E}"/>
+                <a16:creationId xmlns="" xmlns:a16="http://schemas.microsoft.com/office/drawing/2014/main" id="{721ECA60-289D-4E83-911F-341083C9638E}"/>
               </a:ext>
             </a:extLst>
           </p:cNvPr>
@@ -11742,7 +13261,7 @@
           <p:cNvPr id="7" name="椭圆 6">
             <a:extLst>
               <a:ext uri="{FF2B5EF4-FFF2-40B4-BE49-F238E27FC236}">
-                <a16:creationId xmlns:a16="http://schemas.microsoft.com/office/drawing/2014/main" id="{705D8DE0-D0AA-429A-B486-DDF705EACD91}"/>
+                <a16:creationId xmlns="" xmlns:a16="http://schemas.microsoft.com/office/drawing/2014/main" id="{705D8DE0-D0AA-429A-B486-DDF705EACD91}"/>
               </a:ext>
             </a:extLst>
           </p:cNvPr>
@@ -11792,7 +13311,7 @@
           <p:cNvPr id="9" name="直接箭头连接符 8">
             <a:extLst>
               <a:ext uri="{FF2B5EF4-FFF2-40B4-BE49-F238E27FC236}">
-                <a16:creationId xmlns:a16="http://schemas.microsoft.com/office/drawing/2014/main" id="{FA8FA52A-A137-4A58-AF8B-A02ECB333CE3}"/>
+                <a16:creationId xmlns="" xmlns:a16="http://schemas.microsoft.com/office/drawing/2014/main" id="{FA8FA52A-A137-4A58-AF8B-A02ECB333CE3}"/>
               </a:ext>
             </a:extLst>
           </p:cNvPr>
@@ -11834,7 +13353,7 @@
           <p:cNvPr id="11" name="直接箭头连接符 10">
             <a:extLst>
               <a:ext uri="{FF2B5EF4-FFF2-40B4-BE49-F238E27FC236}">
-                <a16:creationId xmlns:a16="http://schemas.microsoft.com/office/drawing/2014/main" id="{82222480-B5D6-4520-91DC-D5DB77473632}"/>
+                <a16:creationId xmlns="" xmlns:a16="http://schemas.microsoft.com/office/drawing/2014/main" id="{82222480-B5D6-4520-91DC-D5DB77473632}"/>
               </a:ext>
             </a:extLst>
           </p:cNvPr>
@@ -11878,7 +13397,7 @@
           <p:cNvPr id="13" name="文本框 12">
             <a:extLst>
               <a:ext uri="{FF2B5EF4-FFF2-40B4-BE49-F238E27FC236}">
-                <a16:creationId xmlns:a16="http://schemas.microsoft.com/office/drawing/2014/main" id="{84A65E90-8794-48E1-BE81-2423C9CEF57A}"/>
+                <a16:creationId xmlns="" xmlns:a16="http://schemas.microsoft.com/office/drawing/2014/main" id="{84A65E90-8794-48E1-BE81-2423C9CEF57A}"/>
               </a:ext>
             </a:extLst>
           </p:cNvPr>
@@ -11922,7 +13441,7 @@
           <p:cNvPr id="14" name="文本框 13">
             <a:extLst>
               <a:ext uri="{FF2B5EF4-FFF2-40B4-BE49-F238E27FC236}">
-                <a16:creationId xmlns:a16="http://schemas.microsoft.com/office/drawing/2014/main" id="{561740E8-84C2-48FA-AF5D-695FB254625C}"/>
+                <a16:creationId xmlns="" xmlns:a16="http://schemas.microsoft.com/office/drawing/2014/main" id="{561740E8-84C2-48FA-AF5D-695FB254625C}"/>
               </a:ext>
             </a:extLst>
           </p:cNvPr>
@@ -11974,7 +13493,7 @@
           <p:cNvPr id="16" name="椭圆 15">
             <a:extLst>
               <a:ext uri="{FF2B5EF4-FFF2-40B4-BE49-F238E27FC236}">
-                <a16:creationId xmlns:a16="http://schemas.microsoft.com/office/drawing/2014/main" id="{8677DDF5-E4A0-48C9-BAC4-8113D7D0F599}"/>
+                <a16:creationId xmlns="" xmlns:a16="http://schemas.microsoft.com/office/drawing/2014/main" id="{8677DDF5-E4A0-48C9-BAC4-8113D7D0F599}"/>
               </a:ext>
             </a:extLst>
           </p:cNvPr>
@@ -12022,7 +13541,7 @@
           <p:cNvPr id="17" name="矩形: 圆角 16">
             <a:extLst>
               <a:ext uri="{FF2B5EF4-FFF2-40B4-BE49-F238E27FC236}">
-                <a16:creationId xmlns:a16="http://schemas.microsoft.com/office/drawing/2014/main" id="{B3906261-2D2C-47D3-A4C5-FFBF22AA0477}"/>
+                <a16:creationId xmlns="" xmlns:a16="http://schemas.microsoft.com/office/drawing/2014/main" id="{B3906261-2D2C-47D3-A4C5-FFBF22AA0477}"/>
               </a:ext>
             </a:extLst>
           </p:cNvPr>
@@ -12070,7 +13589,7 @@
           <p:cNvPr id="19" name="直接箭头连接符 18">
             <a:extLst>
               <a:ext uri="{FF2B5EF4-FFF2-40B4-BE49-F238E27FC236}">
-                <a16:creationId xmlns:a16="http://schemas.microsoft.com/office/drawing/2014/main" id="{CD29B709-8F13-41A5-94C2-25AB9898CD66}"/>
+                <a16:creationId xmlns="" xmlns:a16="http://schemas.microsoft.com/office/drawing/2014/main" id="{CD29B709-8F13-41A5-94C2-25AB9898CD66}"/>
               </a:ext>
             </a:extLst>
           </p:cNvPr>
@@ -12109,7 +13628,7 @@
           <p:cNvPr id="21" name="直接箭头连接符 20">
             <a:extLst>
               <a:ext uri="{FF2B5EF4-FFF2-40B4-BE49-F238E27FC236}">
-                <a16:creationId xmlns:a16="http://schemas.microsoft.com/office/drawing/2014/main" id="{61A55D54-0938-4045-BF63-DB52CC707997}"/>
+                <a16:creationId xmlns="" xmlns:a16="http://schemas.microsoft.com/office/drawing/2014/main" id="{61A55D54-0938-4045-BF63-DB52CC707997}"/>
               </a:ext>
             </a:extLst>
           </p:cNvPr>
@@ -12148,7 +13667,7 @@
           <p:cNvPr id="23" name="直接箭头连接符 22">
             <a:extLst>
               <a:ext uri="{FF2B5EF4-FFF2-40B4-BE49-F238E27FC236}">
-                <a16:creationId xmlns:a16="http://schemas.microsoft.com/office/drawing/2014/main" id="{A9B895C7-135A-4DFC-A191-0631C770ECC0}"/>
+                <a16:creationId xmlns="" xmlns:a16="http://schemas.microsoft.com/office/drawing/2014/main" id="{A9B895C7-135A-4DFC-A191-0631C770ECC0}"/>
               </a:ext>
             </a:extLst>
           </p:cNvPr>
@@ -12187,7 +13706,7 @@
           <p:cNvPr id="25" name="直接箭头连接符 24">
             <a:extLst>
               <a:ext uri="{FF2B5EF4-FFF2-40B4-BE49-F238E27FC236}">
-                <a16:creationId xmlns:a16="http://schemas.microsoft.com/office/drawing/2014/main" id="{1C03997A-5A85-4013-A9B0-E7792A1DA608}"/>
+                <a16:creationId xmlns="" xmlns:a16="http://schemas.microsoft.com/office/drawing/2014/main" id="{1C03997A-5A85-4013-A9B0-E7792A1DA608}"/>
               </a:ext>
             </a:extLst>
           </p:cNvPr>
@@ -12226,7 +13745,7 @@
           <p:cNvPr id="27" name="直接箭头连接符 26">
             <a:extLst>
               <a:ext uri="{FF2B5EF4-FFF2-40B4-BE49-F238E27FC236}">
-                <a16:creationId xmlns:a16="http://schemas.microsoft.com/office/drawing/2014/main" id="{26F48F48-8C0F-4164-926E-1CE5CAFD092F}"/>
+                <a16:creationId xmlns="" xmlns:a16="http://schemas.microsoft.com/office/drawing/2014/main" id="{26F48F48-8C0F-4164-926E-1CE5CAFD092F}"/>
               </a:ext>
             </a:extLst>
           </p:cNvPr>
@@ -12265,7 +13784,7 @@
           <p:cNvPr id="29" name="直接箭头连接符 28">
             <a:extLst>
               <a:ext uri="{FF2B5EF4-FFF2-40B4-BE49-F238E27FC236}">
-                <a16:creationId xmlns:a16="http://schemas.microsoft.com/office/drawing/2014/main" id="{EAD8D0C0-5CE1-4CB9-BDEA-08D2623B2BD4}"/>
+                <a16:creationId xmlns="" xmlns:a16="http://schemas.microsoft.com/office/drawing/2014/main" id="{EAD8D0C0-5CE1-4CB9-BDEA-08D2623B2BD4}"/>
               </a:ext>
             </a:extLst>
           </p:cNvPr>
@@ -12304,7 +13823,7 @@
           <p:cNvPr id="31" name="直接箭头连接符 30">
             <a:extLst>
               <a:ext uri="{FF2B5EF4-FFF2-40B4-BE49-F238E27FC236}">
-                <a16:creationId xmlns:a16="http://schemas.microsoft.com/office/drawing/2014/main" id="{1D9D4193-A895-4C08-A2F6-B7FD41B82670}"/>
+                <a16:creationId xmlns="" xmlns:a16="http://schemas.microsoft.com/office/drawing/2014/main" id="{1D9D4193-A895-4C08-A2F6-B7FD41B82670}"/>
               </a:ext>
             </a:extLst>
           </p:cNvPr>
@@ -12343,7 +13862,7 @@
           <p:cNvPr id="32" name="文本框 31">
             <a:extLst>
               <a:ext uri="{FF2B5EF4-FFF2-40B4-BE49-F238E27FC236}">
-                <a16:creationId xmlns:a16="http://schemas.microsoft.com/office/drawing/2014/main" id="{225B69AA-38A0-4CE5-A4CC-868FABEE4E58}"/>
+                <a16:creationId xmlns="" xmlns:a16="http://schemas.microsoft.com/office/drawing/2014/main" id="{225B69AA-38A0-4CE5-A4CC-868FABEE4E58}"/>
               </a:ext>
             </a:extLst>
           </p:cNvPr>
@@ -12379,7 +13898,7 @@
           <p:cNvPr id="33" name="文本框 32">
             <a:extLst>
               <a:ext uri="{FF2B5EF4-FFF2-40B4-BE49-F238E27FC236}">
-                <a16:creationId xmlns:a16="http://schemas.microsoft.com/office/drawing/2014/main" id="{85761B09-4F9C-4435-A146-233B70598019}"/>
+                <a16:creationId xmlns="" xmlns:a16="http://schemas.microsoft.com/office/drawing/2014/main" id="{85761B09-4F9C-4435-A146-233B70598019}"/>
               </a:ext>
             </a:extLst>
           </p:cNvPr>
@@ -12423,7 +13942,7 @@
           <p:cNvPr id="34" name="文本框 33">
             <a:extLst>
               <a:ext uri="{FF2B5EF4-FFF2-40B4-BE49-F238E27FC236}">
-                <a16:creationId xmlns:a16="http://schemas.microsoft.com/office/drawing/2014/main" id="{0DD7401C-C432-406E-90A6-2C0FF060B244}"/>
+                <a16:creationId xmlns="" xmlns:a16="http://schemas.microsoft.com/office/drawing/2014/main" id="{0DD7401C-C432-406E-90A6-2C0FF060B244}"/>
               </a:ext>
             </a:extLst>
           </p:cNvPr>
@@ -12465,7 +13984,7 @@
           <p:cNvPr id="35" name="文本框 34">
             <a:extLst>
               <a:ext uri="{FF2B5EF4-FFF2-40B4-BE49-F238E27FC236}">
-                <a16:creationId xmlns:a16="http://schemas.microsoft.com/office/drawing/2014/main" id="{FE3D29F3-CE3A-4A96-BBBA-5F849B5B1483}"/>
+                <a16:creationId xmlns="" xmlns:a16="http://schemas.microsoft.com/office/drawing/2014/main" id="{FE3D29F3-CE3A-4A96-BBBA-5F849B5B1483}"/>
               </a:ext>
             </a:extLst>
           </p:cNvPr>
@@ -12501,7 +14020,7 @@
           <p:cNvPr id="36" name="文本框 35">
             <a:extLst>
               <a:ext uri="{FF2B5EF4-FFF2-40B4-BE49-F238E27FC236}">
-                <a16:creationId xmlns:a16="http://schemas.microsoft.com/office/drawing/2014/main" id="{345A950B-790B-4357-A9CB-FCD6B23EE8E8}"/>
+                <a16:creationId xmlns="" xmlns:a16="http://schemas.microsoft.com/office/drawing/2014/main" id="{345A950B-790B-4357-A9CB-FCD6B23EE8E8}"/>
               </a:ext>
             </a:extLst>
           </p:cNvPr>
@@ -12537,7 +14056,7 @@
           <p:cNvPr id="37" name="文本框 36">
             <a:extLst>
               <a:ext uri="{FF2B5EF4-FFF2-40B4-BE49-F238E27FC236}">
-                <a16:creationId xmlns:a16="http://schemas.microsoft.com/office/drawing/2014/main" id="{5C9B847F-5AEC-418C-A10F-B670B0F083C3}"/>
+                <a16:creationId xmlns="" xmlns:a16="http://schemas.microsoft.com/office/drawing/2014/main" id="{5C9B847F-5AEC-418C-A10F-B670B0F083C3}"/>
               </a:ext>
             </a:extLst>
           </p:cNvPr>
@@ -12573,7 +14092,7 @@
           <p:cNvPr id="38" name="文本框 37">
             <a:extLst>
               <a:ext uri="{FF2B5EF4-FFF2-40B4-BE49-F238E27FC236}">
-                <a16:creationId xmlns:a16="http://schemas.microsoft.com/office/drawing/2014/main" id="{2FD4932C-5202-4EE8-BFF4-51890F830DED}"/>
+                <a16:creationId xmlns="" xmlns:a16="http://schemas.microsoft.com/office/drawing/2014/main" id="{2FD4932C-5202-4EE8-BFF4-51890F830DED}"/>
               </a:ext>
             </a:extLst>
           </p:cNvPr>
@@ -12609,7 +14128,7 @@
           <p:cNvPr id="39" name="椭圆 38">
             <a:extLst>
               <a:ext uri="{FF2B5EF4-FFF2-40B4-BE49-F238E27FC236}">
-                <a16:creationId xmlns:a16="http://schemas.microsoft.com/office/drawing/2014/main" id="{CA65C6C0-0640-40C2-9DE7-93BC419E5894}"/>
+                <a16:creationId xmlns="" xmlns:a16="http://schemas.microsoft.com/office/drawing/2014/main" id="{CA65C6C0-0640-40C2-9DE7-93BC419E5894}"/>
               </a:ext>
             </a:extLst>
           </p:cNvPr>
@@ -12657,7 +14176,7 @@
           <p:cNvPr id="40" name="矩形: 圆角 39">
             <a:extLst>
               <a:ext uri="{FF2B5EF4-FFF2-40B4-BE49-F238E27FC236}">
-                <a16:creationId xmlns:a16="http://schemas.microsoft.com/office/drawing/2014/main" id="{3F0BE965-37D7-4D8F-B333-5058BF3273FD}"/>
+                <a16:creationId xmlns="" xmlns:a16="http://schemas.microsoft.com/office/drawing/2014/main" id="{3F0BE965-37D7-4D8F-B333-5058BF3273FD}"/>
               </a:ext>
             </a:extLst>
           </p:cNvPr>
@@ -12705,7 +14224,7 @@
           <p:cNvPr id="41" name="直接箭头连接符 40">
             <a:extLst>
               <a:ext uri="{FF2B5EF4-FFF2-40B4-BE49-F238E27FC236}">
-                <a16:creationId xmlns:a16="http://schemas.microsoft.com/office/drawing/2014/main" id="{521ED6D0-55C3-4082-AF5A-E31241077B7E}"/>
+                <a16:creationId xmlns="" xmlns:a16="http://schemas.microsoft.com/office/drawing/2014/main" id="{521ED6D0-55C3-4082-AF5A-E31241077B7E}"/>
               </a:ext>
             </a:extLst>
           </p:cNvPr>
@@ -12744,7 +14263,7 @@
           <p:cNvPr id="42" name="直接箭头连接符 41">
             <a:extLst>
               <a:ext uri="{FF2B5EF4-FFF2-40B4-BE49-F238E27FC236}">
-                <a16:creationId xmlns:a16="http://schemas.microsoft.com/office/drawing/2014/main" id="{DBA11C8C-CA9B-4152-8ECA-870E520949E8}"/>
+                <a16:creationId xmlns="" xmlns:a16="http://schemas.microsoft.com/office/drawing/2014/main" id="{DBA11C8C-CA9B-4152-8ECA-870E520949E8}"/>
               </a:ext>
             </a:extLst>
           </p:cNvPr>
@@ -12783,7 +14302,7 @@
           <p:cNvPr id="43" name="直接箭头连接符 42">
             <a:extLst>
               <a:ext uri="{FF2B5EF4-FFF2-40B4-BE49-F238E27FC236}">
-                <a16:creationId xmlns:a16="http://schemas.microsoft.com/office/drawing/2014/main" id="{F6112E5B-9730-4716-9454-39BF4E87C3FD}"/>
+                <a16:creationId xmlns="" xmlns:a16="http://schemas.microsoft.com/office/drawing/2014/main" id="{F6112E5B-9730-4716-9454-39BF4E87C3FD}"/>
               </a:ext>
             </a:extLst>
           </p:cNvPr>
@@ -12822,7 +14341,7 @@
           <p:cNvPr id="44" name="文本框 43">
             <a:extLst>
               <a:ext uri="{FF2B5EF4-FFF2-40B4-BE49-F238E27FC236}">
-                <a16:creationId xmlns:a16="http://schemas.microsoft.com/office/drawing/2014/main" id="{79A5F49B-D859-4F8F-B3E3-A88718D5FC07}"/>
+                <a16:creationId xmlns="" xmlns:a16="http://schemas.microsoft.com/office/drawing/2014/main" id="{79A5F49B-D859-4F8F-B3E3-A88718D5FC07}"/>
               </a:ext>
             </a:extLst>
           </p:cNvPr>
@@ -12870,7 +14389,7 @@
           <p:cNvPr id="45" name="文本框 44">
             <a:extLst>
               <a:ext uri="{FF2B5EF4-FFF2-40B4-BE49-F238E27FC236}">
-                <a16:creationId xmlns:a16="http://schemas.microsoft.com/office/drawing/2014/main" id="{7667665B-CE0A-45A7-84D2-5644FD2597E3}"/>
+                <a16:creationId xmlns="" xmlns:a16="http://schemas.microsoft.com/office/drawing/2014/main" id="{7667665B-CE0A-45A7-84D2-5644FD2597E3}"/>
               </a:ext>
             </a:extLst>
           </p:cNvPr>
@@ -12911,7 +14430,7 @@
           <p:cNvPr id="46" name="文本框 45">
             <a:extLst>
               <a:ext uri="{FF2B5EF4-FFF2-40B4-BE49-F238E27FC236}">
-                <a16:creationId xmlns:a16="http://schemas.microsoft.com/office/drawing/2014/main" id="{B9E2DD5F-4332-4845-8E88-39B3B612213F}"/>
+                <a16:creationId xmlns="" xmlns:a16="http://schemas.microsoft.com/office/drawing/2014/main" id="{B9E2DD5F-4332-4845-8E88-39B3B612213F}"/>
               </a:ext>
             </a:extLst>
           </p:cNvPr>
@@ -12959,7 +14478,7 @@
           <p:cNvPr id="47" name="流程图: 多文档 46">
             <a:extLst>
               <a:ext uri="{FF2B5EF4-FFF2-40B4-BE49-F238E27FC236}">
-                <a16:creationId xmlns:a16="http://schemas.microsoft.com/office/drawing/2014/main" id="{16FF88DC-71C4-488E-894D-CD4067642823}"/>
+                <a16:creationId xmlns="" xmlns:a16="http://schemas.microsoft.com/office/drawing/2014/main" id="{16FF88DC-71C4-488E-894D-CD4067642823}"/>
               </a:ext>
             </a:extLst>
           </p:cNvPr>
@@ -13007,7 +14526,7 @@
           <p:cNvPr id="48" name="直接箭头连接符 47">
             <a:extLst>
               <a:ext uri="{FF2B5EF4-FFF2-40B4-BE49-F238E27FC236}">
-                <a16:creationId xmlns:a16="http://schemas.microsoft.com/office/drawing/2014/main" id="{E1B1D343-EE63-4BA1-9131-15A74E53758A}"/>
+                <a16:creationId xmlns="" xmlns:a16="http://schemas.microsoft.com/office/drawing/2014/main" id="{E1B1D343-EE63-4BA1-9131-15A74E53758A}"/>
               </a:ext>
             </a:extLst>
           </p:cNvPr>
@@ -13046,7 +14565,7 @@
           <p:cNvPr id="49" name="直接箭头连接符 48">
             <a:extLst>
               <a:ext uri="{FF2B5EF4-FFF2-40B4-BE49-F238E27FC236}">
-                <a16:creationId xmlns:a16="http://schemas.microsoft.com/office/drawing/2014/main" id="{C91E0A35-7C5C-4492-8EC8-075149A395ED}"/>
+                <a16:creationId xmlns="" xmlns:a16="http://schemas.microsoft.com/office/drawing/2014/main" id="{C91E0A35-7C5C-4492-8EC8-075149A395ED}"/>
               </a:ext>
             </a:extLst>
           </p:cNvPr>
@@ -13085,7 +14604,7 @@
           <p:cNvPr id="50" name="文本框 49">
             <a:extLst>
               <a:ext uri="{FF2B5EF4-FFF2-40B4-BE49-F238E27FC236}">
-                <a16:creationId xmlns:a16="http://schemas.microsoft.com/office/drawing/2014/main" id="{062F3BA4-848B-4192-874F-749B803D8A6D}"/>
+                <a16:creationId xmlns="" xmlns:a16="http://schemas.microsoft.com/office/drawing/2014/main" id="{062F3BA4-848B-4192-874F-749B803D8A6D}"/>
               </a:ext>
             </a:extLst>
           </p:cNvPr>
@@ -13133,7 +14652,7 @@
           <p:cNvPr id="51" name="文本框 50">
             <a:extLst>
               <a:ext uri="{FF2B5EF4-FFF2-40B4-BE49-F238E27FC236}">
-                <a16:creationId xmlns:a16="http://schemas.microsoft.com/office/drawing/2014/main" id="{C9802B51-85CE-4CEB-9DF2-ADE97926D5ED}"/>
+                <a16:creationId xmlns="" xmlns:a16="http://schemas.microsoft.com/office/drawing/2014/main" id="{C9802B51-85CE-4CEB-9DF2-ADE97926D5ED}"/>
               </a:ext>
             </a:extLst>
           </p:cNvPr>
@@ -13181,7 +14700,7 @@
           <p:cNvPr id="52" name="圆柱形 51">
             <a:extLst>
               <a:ext uri="{FF2B5EF4-FFF2-40B4-BE49-F238E27FC236}">
-                <a16:creationId xmlns:a16="http://schemas.microsoft.com/office/drawing/2014/main" id="{F10B3481-153D-40F1-B865-9FA9D81E6A81}"/>
+                <a16:creationId xmlns="" xmlns:a16="http://schemas.microsoft.com/office/drawing/2014/main" id="{F10B3481-153D-40F1-B865-9FA9D81E6A81}"/>
               </a:ext>
             </a:extLst>
           </p:cNvPr>
@@ -13229,7 +14748,7 @@
           <p:cNvPr id="54" name="连接符: 曲线 53">
             <a:extLst>
               <a:ext uri="{FF2B5EF4-FFF2-40B4-BE49-F238E27FC236}">
-                <a16:creationId xmlns:a16="http://schemas.microsoft.com/office/drawing/2014/main" id="{577B59B9-3751-42A2-95C1-B10F9C58027D}"/>
+                <a16:creationId xmlns="" xmlns:a16="http://schemas.microsoft.com/office/drawing/2014/main" id="{577B59B9-3751-42A2-95C1-B10F9C58027D}"/>
               </a:ext>
             </a:extLst>
           </p:cNvPr>
@@ -13274,7 +14793,7 @@
           <p:cNvPr id="55" name="文本框 54">
             <a:extLst>
               <a:ext uri="{FF2B5EF4-FFF2-40B4-BE49-F238E27FC236}">
-                <a16:creationId xmlns:a16="http://schemas.microsoft.com/office/drawing/2014/main" id="{FD81B97D-0AE3-40BA-9953-25A8FE33C845}"/>
+                <a16:creationId xmlns="" xmlns:a16="http://schemas.microsoft.com/office/drawing/2014/main" id="{FD81B97D-0AE3-40BA-9953-25A8FE33C845}"/>
               </a:ext>
             </a:extLst>
           </p:cNvPr>
@@ -13354,7 +14873,7 @@
           <p:cNvPr id="57" name="连接符: 曲线 56">
             <a:extLst>
               <a:ext uri="{FF2B5EF4-FFF2-40B4-BE49-F238E27FC236}">
-                <a16:creationId xmlns:a16="http://schemas.microsoft.com/office/drawing/2014/main" id="{005B8FB2-30CC-4625-8DFE-5D805EB50A91}"/>
+                <a16:creationId xmlns="" xmlns:a16="http://schemas.microsoft.com/office/drawing/2014/main" id="{005B8FB2-30CC-4625-8DFE-5D805EB50A91}"/>
               </a:ext>
             </a:extLst>
           </p:cNvPr>
@@ -13399,7 +14918,7 @@
           <p:cNvPr id="60" name="连接符: 曲线 59">
             <a:extLst>
               <a:ext uri="{FF2B5EF4-FFF2-40B4-BE49-F238E27FC236}">
-                <a16:creationId xmlns:a16="http://schemas.microsoft.com/office/drawing/2014/main" id="{43409EB8-F771-4A00-AAB6-D7AE86316C91}"/>
+                <a16:creationId xmlns="" xmlns:a16="http://schemas.microsoft.com/office/drawing/2014/main" id="{43409EB8-F771-4A00-AAB6-D7AE86316C91}"/>
               </a:ext>
             </a:extLst>
           </p:cNvPr>
@@ -13442,7 +14961,7 @@
           <p:cNvPr id="61" name="文本框 60">
             <a:extLst>
               <a:ext uri="{FF2B5EF4-FFF2-40B4-BE49-F238E27FC236}">
-                <a16:creationId xmlns:a16="http://schemas.microsoft.com/office/drawing/2014/main" id="{08880179-050C-4132-AA0F-9540C62803A4}"/>
+                <a16:creationId xmlns="" xmlns:a16="http://schemas.microsoft.com/office/drawing/2014/main" id="{08880179-050C-4132-AA0F-9540C62803A4}"/>
               </a:ext>
             </a:extLst>
           </p:cNvPr>
@@ -13502,7 +15021,7 @@
           <p:cNvPr id="62" name="文本框 61">
             <a:extLst>
               <a:ext uri="{FF2B5EF4-FFF2-40B4-BE49-F238E27FC236}">
-                <a16:creationId xmlns:a16="http://schemas.microsoft.com/office/drawing/2014/main" id="{AB009773-6580-4ACE-9902-0D70B7C4A53A}"/>
+                <a16:creationId xmlns="" xmlns:a16="http://schemas.microsoft.com/office/drawing/2014/main" id="{AB009773-6580-4ACE-9902-0D70B7C4A53A}"/>
               </a:ext>
             </a:extLst>
           </p:cNvPr>
@@ -13555,7 +15074,7 @@
           <p:cNvPr id="64" name="连接符: 曲线 63">
             <a:extLst>
               <a:ext uri="{FF2B5EF4-FFF2-40B4-BE49-F238E27FC236}">
-                <a16:creationId xmlns:a16="http://schemas.microsoft.com/office/drawing/2014/main" id="{4D9E4535-A786-4953-81C4-66359DA4262E}"/>
+                <a16:creationId xmlns="" xmlns:a16="http://schemas.microsoft.com/office/drawing/2014/main" id="{4D9E4535-A786-4953-81C4-66359DA4262E}"/>
               </a:ext>
             </a:extLst>
           </p:cNvPr>
@@ -13600,7 +15119,7 @@
           <p:cNvPr id="68" name="文本框 67">
             <a:extLst>
               <a:ext uri="{FF2B5EF4-FFF2-40B4-BE49-F238E27FC236}">
-                <a16:creationId xmlns:a16="http://schemas.microsoft.com/office/drawing/2014/main" id="{AC18AA54-FE9C-44AC-AEF3-342AEB716763}"/>
+                <a16:creationId xmlns="" xmlns:a16="http://schemas.microsoft.com/office/drawing/2014/main" id="{AC18AA54-FE9C-44AC-AEF3-342AEB716763}"/>
               </a:ext>
             </a:extLst>
           </p:cNvPr>
@@ -13641,7 +15160,7 @@
           <p:cNvPr id="76" name="连接符: 曲线 75">
             <a:extLst>
               <a:ext uri="{FF2B5EF4-FFF2-40B4-BE49-F238E27FC236}">
-                <a16:creationId xmlns:a16="http://schemas.microsoft.com/office/drawing/2014/main" id="{D5ED3502-1AE1-4A41-AD66-5177AB685180}"/>
+                <a16:creationId xmlns="" xmlns:a16="http://schemas.microsoft.com/office/drawing/2014/main" id="{D5ED3502-1AE1-4A41-AD66-5177AB685180}"/>
               </a:ext>
             </a:extLst>
           </p:cNvPr>
@@ -13685,7 +15204,7 @@
           <p:cNvPr id="78" name="连接符: 曲线 77">
             <a:extLst>
               <a:ext uri="{FF2B5EF4-FFF2-40B4-BE49-F238E27FC236}">
-                <a16:creationId xmlns:a16="http://schemas.microsoft.com/office/drawing/2014/main" id="{0F45D173-F5F1-40A8-A1BE-A61CE8DFDA6E}"/>
+                <a16:creationId xmlns="" xmlns:a16="http://schemas.microsoft.com/office/drawing/2014/main" id="{0F45D173-F5F1-40A8-A1BE-A61CE8DFDA6E}"/>
               </a:ext>
             </a:extLst>
           </p:cNvPr>
@@ -13727,7 +15246,7 @@
           <p:cNvPr id="80" name="连接符: 曲线 79">
             <a:extLst>
               <a:ext uri="{FF2B5EF4-FFF2-40B4-BE49-F238E27FC236}">
-                <a16:creationId xmlns:a16="http://schemas.microsoft.com/office/drawing/2014/main" id="{9A31B5C6-3700-4193-842B-58F11217B391}"/>
+                <a16:creationId xmlns="" xmlns:a16="http://schemas.microsoft.com/office/drawing/2014/main" id="{9A31B5C6-3700-4193-842B-58F11217B391}"/>
               </a:ext>
             </a:extLst>
           </p:cNvPr>
@@ -13769,7 +15288,7 @@
           <p:cNvPr id="82" name="连接符: 曲线 81">
             <a:extLst>
               <a:ext uri="{FF2B5EF4-FFF2-40B4-BE49-F238E27FC236}">
-                <a16:creationId xmlns:a16="http://schemas.microsoft.com/office/drawing/2014/main" id="{78ED1D8D-DB2A-4588-86A9-5B2078C12392}"/>
+                <a16:creationId xmlns="" xmlns:a16="http://schemas.microsoft.com/office/drawing/2014/main" id="{78ED1D8D-DB2A-4588-86A9-5B2078C12392}"/>
               </a:ext>
             </a:extLst>
           </p:cNvPr>
@@ -13811,7 +15330,7 @@
           <p:cNvPr id="85" name="连接符: 曲线 84">
             <a:extLst>
               <a:ext uri="{FF2B5EF4-FFF2-40B4-BE49-F238E27FC236}">
-                <a16:creationId xmlns:a16="http://schemas.microsoft.com/office/drawing/2014/main" id="{E65F8F80-D189-43D9-9186-A400680494BF}"/>
+                <a16:creationId xmlns="" xmlns:a16="http://schemas.microsoft.com/office/drawing/2014/main" id="{E65F8F80-D189-43D9-9186-A400680494BF}"/>
               </a:ext>
             </a:extLst>
           </p:cNvPr>
@@ -13856,7 +15375,7 @@
           <p:cNvPr id="88" name="文本框 87">
             <a:extLst>
               <a:ext uri="{FF2B5EF4-FFF2-40B4-BE49-F238E27FC236}">
-                <a16:creationId xmlns:a16="http://schemas.microsoft.com/office/drawing/2014/main" id="{1F63F0A7-B5CB-4BDF-8E07-10D71BA6CB76}"/>
+                <a16:creationId xmlns="" xmlns:a16="http://schemas.microsoft.com/office/drawing/2014/main" id="{1F63F0A7-B5CB-4BDF-8E07-10D71BA6CB76}"/>
               </a:ext>
             </a:extLst>
           </p:cNvPr>
@@ -13946,7 +15465,7 @@
           <p:cNvPr id="89" name="文本框 88">
             <a:extLst>
               <a:ext uri="{FF2B5EF4-FFF2-40B4-BE49-F238E27FC236}">
-                <a16:creationId xmlns:a16="http://schemas.microsoft.com/office/drawing/2014/main" id="{FD015A94-9F82-4872-8E41-B8159B6480AD}"/>
+                <a16:creationId xmlns="" xmlns:a16="http://schemas.microsoft.com/office/drawing/2014/main" id="{FD015A94-9F82-4872-8E41-B8159B6480AD}"/>
               </a:ext>
             </a:extLst>
           </p:cNvPr>
@@ -13987,7 +15506,7 @@
           <p:cNvPr id="90" name="文本框 89">
             <a:extLst>
               <a:ext uri="{FF2B5EF4-FFF2-40B4-BE49-F238E27FC236}">
-                <a16:creationId xmlns:a16="http://schemas.microsoft.com/office/drawing/2014/main" id="{F9ABBCFF-2EB2-42D0-BE82-A276BB6B847C}"/>
+                <a16:creationId xmlns="" xmlns:a16="http://schemas.microsoft.com/office/drawing/2014/main" id="{F9ABBCFF-2EB2-42D0-BE82-A276BB6B847C}"/>
               </a:ext>
             </a:extLst>
           </p:cNvPr>
@@ -14028,7 +15547,7 @@
           <p:cNvPr id="91" name="文本框 90">
             <a:extLst>
               <a:ext uri="{FF2B5EF4-FFF2-40B4-BE49-F238E27FC236}">
-                <a16:creationId xmlns:a16="http://schemas.microsoft.com/office/drawing/2014/main" id="{B0E4A963-391B-43B5-859D-DF44BDD554AE}"/>
+                <a16:creationId xmlns="" xmlns:a16="http://schemas.microsoft.com/office/drawing/2014/main" id="{B0E4A963-391B-43B5-859D-DF44BDD554AE}"/>
               </a:ext>
             </a:extLst>
           </p:cNvPr>
@@ -14081,7 +15600,7 @@
           <p:cNvPr id="92" name="文本框 91">
             <a:extLst>
               <a:ext uri="{FF2B5EF4-FFF2-40B4-BE49-F238E27FC236}">
-                <a16:creationId xmlns:a16="http://schemas.microsoft.com/office/drawing/2014/main" id="{3C532227-26CF-4A0E-BE25-8EAA3C670078}"/>
+                <a16:creationId xmlns="" xmlns:a16="http://schemas.microsoft.com/office/drawing/2014/main" id="{3C532227-26CF-4A0E-BE25-8EAA3C670078}"/>
               </a:ext>
             </a:extLst>
           </p:cNvPr>
